--- a/assets/docs/Hubfx Presentation.pptx
+++ b/assets/docs/Hubfx Presentation.pptx
@@ -18,6 +18,7 @@
     <p:sldId id="266" r:id="rId12"/>
     <p:sldId id="267" r:id="rId13"/>
     <p:sldId id="268" r:id="rId14"/>
+    <p:sldId id="270" r:id="rId15"/>
   </p:sldIdLst>
   <p:sldSz cx="12192000" cy="6858000"/>
   <p:notesSz cx="6858000" cy="9144000"/>
@@ -1799,7 +1800,7 @@
           <a:p>
             <a:fld id="{154F4BC5-C275-4A59-82DC-6AFC02DFC54D}" type="datetimeFigureOut">
               <a:rPr lang="en-CA" smtClean="0"/>
-              <a:t>2024-01-09</a:t>
+              <a:t>2024-07-25</a:t>
             </a:fld>
             <a:endParaRPr lang="en-CA"/>
           </a:p>
@@ -1999,7 +2000,7 @@
           <a:p>
             <a:fld id="{154F4BC5-C275-4A59-82DC-6AFC02DFC54D}" type="datetimeFigureOut">
               <a:rPr lang="en-CA" smtClean="0"/>
-              <a:t>2024-01-09</a:t>
+              <a:t>2024-07-25</a:t>
             </a:fld>
             <a:endParaRPr lang="en-CA"/>
           </a:p>
@@ -2107,7 +2108,7 @@
         </p:nvSpPr>
         <p:spPr>
           <a:xfrm>
-            <a:off x="8724900" y="365125"/>
+            <a:off x="8724899" y="365125"/>
             <a:ext cx="2628900" cy="5811838"/>
           </a:xfrm>
         </p:spPr>
@@ -2141,7 +2142,7 @@
         </p:nvSpPr>
         <p:spPr>
           <a:xfrm>
-            <a:off x="838200" y="365125"/>
+            <a:off x="838199" y="365125"/>
             <a:ext cx="7734300" cy="5811838"/>
           </a:xfrm>
         </p:spPr>
@@ -2209,7 +2210,7 @@
           <a:p>
             <a:fld id="{154F4BC5-C275-4A59-82DC-6AFC02DFC54D}" type="datetimeFigureOut">
               <a:rPr lang="en-CA" smtClean="0"/>
-              <a:t>2024-01-09</a:t>
+              <a:t>2024-07-25</a:t>
             </a:fld>
             <a:endParaRPr lang="en-CA"/>
           </a:p>
@@ -2409,7 +2410,7 @@
           <a:p>
             <a:fld id="{154F4BC5-C275-4A59-82DC-6AFC02DFC54D}" type="datetimeFigureOut">
               <a:rPr lang="en-CA" smtClean="0"/>
-              <a:t>2024-01-09</a:t>
+              <a:t>2024-07-25</a:t>
             </a:fld>
             <a:endParaRPr lang="en-CA"/>
           </a:p>
@@ -2517,7 +2518,7 @@
         </p:nvSpPr>
         <p:spPr>
           <a:xfrm>
-            <a:off x="831850" y="1709738"/>
+            <a:off x="831852" y="1709738"/>
             <a:ext cx="10515600" cy="2852737"/>
           </a:xfrm>
         </p:spPr>
@@ -2555,7 +2556,7 @@
         </p:nvSpPr>
         <p:spPr>
           <a:xfrm>
-            <a:off x="831850" y="4589463"/>
+            <a:off x="831852" y="4589464"/>
             <a:ext cx="10515600" cy="1500187"/>
           </a:xfrm>
         </p:spPr>
@@ -2685,7 +2686,7 @@
           <a:p>
             <a:fld id="{154F4BC5-C275-4A59-82DC-6AFC02DFC54D}" type="datetimeFigureOut">
               <a:rPr lang="en-CA" smtClean="0"/>
-              <a:t>2024-01-09</a:t>
+              <a:t>2024-07-25</a:t>
             </a:fld>
             <a:endParaRPr lang="en-CA"/>
           </a:p>
@@ -2822,7 +2823,7 @@
         </p:nvSpPr>
         <p:spPr>
           <a:xfrm>
-            <a:off x="838200" y="1825625"/>
+            <a:off x="838201" y="1825625"/>
             <a:ext cx="5181600" cy="4351338"/>
           </a:xfrm>
         </p:spPr>
@@ -2885,7 +2886,7 @@
         </p:nvSpPr>
         <p:spPr>
           <a:xfrm>
-            <a:off x="6172200" y="1825625"/>
+            <a:off x="6172201" y="1825625"/>
             <a:ext cx="5181600" cy="4351338"/>
           </a:xfrm>
         </p:spPr>
@@ -2953,7 +2954,7 @@
           <a:p>
             <a:fld id="{154F4BC5-C275-4A59-82DC-6AFC02DFC54D}" type="datetimeFigureOut">
               <a:rPr lang="en-CA" smtClean="0"/>
-              <a:t>2024-01-09</a:t>
+              <a:t>2024-07-25</a:t>
             </a:fld>
             <a:endParaRPr lang="en-CA"/>
           </a:p>
@@ -3061,7 +3062,7 @@
         </p:nvSpPr>
         <p:spPr>
           <a:xfrm>
-            <a:off x="839788" y="365125"/>
+            <a:off x="839789" y="365125"/>
             <a:ext cx="10515600" cy="1325563"/>
           </a:xfrm>
         </p:spPr>
@@ -3095,7 +3096,7 @@
         </p:nvSpPr>
         <p:spPr>
           <a:xfrm>
-            <a:off x="839788" y="1681163"/>
+            <a:off x="839789" y="1681163"/>
             <a:ext cx="5157787" cy="823912"/>
           </a:xfrm>
         </p:spPr>
@@ -3166,7 +3167,7 @@
         </p:nvSpPr>
         <p:spPr>
           <a:xfrm>
-            <a:off x="839788" y="2505075"/>
+            <a:off x="839789" y="2505076"/>
             <a:ext cx="5157787" cy="3684588"/>
           </a:xfrm>
         </p:spPr>
@@ -3229,7 +3230,7 @@
         </p:nvSpPr>
         <p:spPr>
           <a:xfrm>
-            <a:off x="6172200" y="1681163"/>
+            <a:off x="6172202" y="1681163"/>
             <a:ext cx="5183188" cy="823912"/>
           </a:xfrm>
         </p:spPr>
@@ -3300,7 +3301,7 @@
         </p:nvSpPr>
         <p:spPr>
           <a:xfrm>
-            <a:off x="6172200" y="2505075"/>
+            <a:off x="6172202" y="2505076"/>
             <a:ext cx="5183188" cy="3684588"/>
           </a:xfrm>
         </p:spPr>
@@ -3368,7 +3369,7 @@
           <a:p>
             <a:fld id="{154F4BC5-C275-4A59-82DC-6AFC02DFC54D}" type="datetimeFigureOut">
               <a:rPr lang="en-CA" smtClean="0"/>
-              <a:t>2024-01-09</a:t>
+              <a:t>2024-07-25</a:t>
             </a:fld>
             <a:endParaRPr lang="en-CA"/>
           </a:p>
@@ -3510,7 +3511,7 @@
           <a:p>
             <a:fld id="{154F4BC5-C275-4A59-82DC-6AFC02DFC54D}" type="datetimeFigureOut">
               <a:rPr lang="en-CA" smtClean="0"/>
-              <a:t>2024-01-09</a:t>
+              <a:t>2024-07-25</a:t>
             </a:fld>
             <a:endParaRPr lang="en-CA"/>
           </a:p>
@@ -3623,7 +3624,7 @@
           <a:p>
             <a:fld id="{154F4BC5-C275-4A59-82DC-6AFC02DFC54D}" type="datetimeFigureOut">
               <a:rPr lang="en-CA" smtClean="0"/>
-              <a:t>2024-01-09</a:t>
+              <a:t>2024-07-25</a:t>
             </a:fld>
             <a:endParaRPr lang="en-CA"/>
           </a:p>
@@ -3731,8 +3732,8 @@
         </p:nvSpPr>
         <p:spPr>
           <a:xfrm>
-            <a:off x="839788" y="457200"/>
-            <a:ext cx="3932237" cy="1600200"/>
+            <a:off x="839790" y="457200"/>
+            <a:ext cx="3932236" cy="1600200"/>
           </a:xfrm>
         </p:spPr>
         <p:txBody>
@@ -3770,7 +3771,7 @@
         <p:spPr>
           <a:xfrm>
             <a:off x="5183188" y="987425"/>
-            <a:ext cx="6172200" cy="4873625"/>
+            <a:ext cx="6172201" cy="4873625"/>
           </a:xfrm>
         </p:spPr>
         <p:txBody>
@@ -3860,8 +3861,8 @@
         </p:nvSpPr>
         <p:spPr>
           <a:xfrm>
-            <a:off x="839788" y="2057400"/>
-            <a:ext cx="3932237" cy="3811588"/>
+            <a:off x="839790" y="2057400"/>
+            <a:ext cx="3932236" cy="3811588"/>
           </a:xfrm>
         </p:spPr>
         <p:txBody>
@@ -3936,7 +3937,7 @@
           <a:p>
             <a:fld id="{154F4BC5-C275-4A59-82DC-6AFC02DFC54D}" type="datetimeFigureOut">
               <a:rPr lang="en-CA" smtClean="0"/>
-              <a:t>2024-01-09</a:t>
+              <a:t>2024-07-25</a:t>
             </a:fld>
             <a:endParaRPr lang="en-CA"/>
           </a:p>
@@ -4044,8 +4045,8 @@
         </p:nvSpPr>
         <p:spPr>
           <a:xfrm>
-            <a:off x="839788" y="457200"/>
-            <a:ext cx="3932237" cy="1600200"/>
+            <a:off x="839790" y="457200"/>
+            <a:ext cx="3932236" cy="1600200"/>
           </a:xfrm>
         </p:spPr>
         <p:txBody>
@@ -4083,7 +4084,7 @@
         <p:spPr>
           <a:xfrm>
             <a:off x="5183188" y="987425"/>
-            <a:ext cx="6172200" cy="4873625"/>
+            <a:ext cx="6172201" cy="4873625"/>
           </a:xfrm>
         </p:spPr>
         <p:txBody>
@@ -4149,8 +4150,8 @@
         </p:nvSpPr>
         <p:spPr>
           <a:xfrm>
-            <a:off x="839788" y="2057400"/>
-            <a:ext cx="3932237" cy="3811588"/>
+            <a:off x="839790" y="2057400"/>
+            <a:ext cx="3932236" cy="3811588"/>
           </a:xfrm>
         </p:spPr>
         <p:txBody>
@@ -4225,7 +4226,7 @@
           <a:p>
             <a:fld id="{154F4BC5-C275-4A59-82DC-6AFC02DFC54D}" type="datetimeFigureOut">
               <a:rPr lang="en-CA" smtClean="0"/>
-              <a:t>2024-01-09</a:t>
+              <a:t>2024-07-25</a:t>
             </a:fld>
             <a:endParaRPr lang="en-CA"/>
           </a:p>
@@ -4338,7 +4339,7 @@
         </p:nvSpPr>
         <p:spPr>
           <a:xfrm>
-            <a:off x="838200" y="365125"/>
+            <a:off x="838202" y="365125"/>
             <a:ext cx="10515600" cy="1325563"/>
           </a:xfrm>
           <a:prstGeom prst="rect">
@@ -4377,7 +4378,7 @@
         </p:nvSpPr>
         <p:spPr>
           <a:xfrm>
-            <a:off x="838200" y="1825625"/>
+            <a:off x="838202" y="1825625"/>
             <a:ext cx="10515600" cy="4351338"/>
           </a:xfrm>
           <a:prstGeom prst="rect">
@@ -4445,7 +4446,7 @@
         </p:nvSpPr>
         <p:spPr>
           <a:xfrm>
-            <a:off x="838200" y="6356350"/>
+            <a:off x="838201" y="6356351"/>
             <a:ext cx="2743200" cy="365125"/>
           </a:xfrm>
           <a:prstGeom prst="rect">
@@ -4468,7 +4469,7 @@
           <a:p>
             <a:fld id="{154F4BC5-C275-4A59-82DC-6AFC02DFC54D}" type="datetimeFigureOut">
               <a:rPr lang="en-CA" smtClean="0"/>
-              <a:t>2024-01-09</a:t>
+              <a:t>2024-07-25</a:t>
             </a:fld>
             <a:endParaRPr lang="en-CA"/>
           </a:p>
@@ -4492,7 +4493,7 @@
         </p:nvSpPr>
         <p:spPr>
           <a:xfrm>
-            <a:off x="4038600" y="6356350"/>
+            <a:off x="4038602" y="6356351"/>
             <a:ext cx="4114800" cy="365125"/>
           </a:xfrm>
           <a:prstGeom prst="rect">
@@ -4535,7 +4536,7 @@
         </p:nvSpPr>
         <p:spPr>
           <a:xfrm>
-            <a:off x="8610600" y="6356350"/>
+            <a:off x="8610601" y="6356351"/>
             <a:ext cx="2743200" cy="365125"/>
           </a:xfrm>
           <a:prstGeom prst="rect">
@@ -4941,7 +4942,7 @@
         </p:nvSpPr>
         <p:spPr>
           <a:xfrm>
-            <a:off x="9123684" y="3231632"/>
+            <a:off x="9123684" y="3231634"/>
             <a:ext cx="1849120" cy="1005839"/>
           </a:xfrm>
           <a:prstGeom prst="roundRect">
@@ -5052,7 +5053,7 @@
         </p:nvSpPr>
         <p:spPr>
           <a:xfrm>
-            <a:off x="4368173" y="2087146"/>
+            <a:off x="4368173" y="2087148"/>
             <a:ext cx="873760" cy="954107"/>
           </a:xfrm>
           <a:prstGeom prst="rect">
@@ -5192,7 +5193,7 @@
         </p:nvSpPr>
         <p:spPr>
           <a:xfrm>
-            <a:off x="5313051" y="2730329"/>
+            <a:off x="5313053" y="2730329"/>
             <a:ext cx="975989" cy="369332"/>
           </a:xfrm>
           <a:prstGeom prst="rect">
@@ -5275,7 +5276,7 @@
         </p:nvCxnSpPr>
         <p:spPr>
           <a:xfrm flipH="1">
-            <a:off x="4776949" y="3070951"/>
+            <a:off x="4776951" y="3070951"/>
             <a:ext cx="841531" cy="511984"/>
           </a:xfrm>
           <a:prstGeom prst="straightConnector1">
@@ -5319,7 +5320,7 @@
         </p:nvCxnSpPr>
         <p:spPr>
           <a:xfrm>
-            <a:off x="5618480" y="3070951"/>
+            <a:off x="5618482" y="3070953"/>
             <a:ext cx="1178247" cy="493451"/>
           </a:xfrm>
           <a:prstGeom prst="straightConnector1">
@@ -5954,7 +5955,7 @@
         </p:nvCxnSpPr>
         <p:spPr>
           <a:xfrm>
-            <a:off x="5755369" y="3378792"/>
+            <a:off x="5755371" y="3378792"/>
             <a:ext cx="4709431" cy="23860"/>
           </a:xfrm>
           <a:prstGeom prst="straightConnector1">
@@ -5999,7 +6000,7 @@
         </p:nvSpPr>
         <p:spPr>
           <a:xfrm>
-            <a:off x="6073829" y="2235200"/>
+            <a:off x="6073829" y="2235202"/>
             <a:ext cx="3168220" cy="2386029"/>
           </a:xfrm>
           <a:prstGeom prst="ellipse">
@@ -6049,7 +6050,7 @@
         </p:nvSpPr>
         <p:spPr>
           <a:xfrm>
-            <a:off x="5911151" y="3217723"/>
+            <a:off x="5911153" y="3217725"/>
             <a:ext cx="350797" cy="350797"/>
           </a:xfrm>
           <a:prstGeom prst="ellipse">
@@ -6147,7 +6148,7 @@
         </p:nvSpPr>
         <p:spPr>
           <a:xfrm>
-            <a:off x="7072699" y="3216827"/>
+            <a:off x="7072699" y="3216829"/>
             <a:ext cx="1380224" cy="307777"/>
           </a:xfrm>
           <a:prstGeom prst="rect">
@@ -6262,7 +6263,7 @@
         </p:nvSpPr>
         <p:spPr>
           <a:xfrm flipV="1">
-            <a:off x="6207332" y="2935853"/>
+            <a:off x="6207334" y="2935855"/>
             <a:ext cx="3523791" cy="1086709"/>
           </a:xfrm>
           <a:prstGeom prst="arc">
@@ -6315,7 +6316,7 @@
         </p:nvSpPr>
         <p:spPr>
           <a:xfrm>
-            <a:off x="6194061" y="2738000"/>
+            <a:off x="6194063" y="2738000"/>
             <a:ext cx="3523791" cy="1086710"/>
           </a:xfrm>
           <a:prstGeom prst="arc">
@@ -6368,7 +6369,7 @@
         </p:nvSpPr>
         <p:spPr>
           <a:xfrm>
-            <a:off x="6833895" y="2643235"/>
+            <a:off x="6833897" y="2643237"/>
             <a:ext cx="2051387" cy="307777"/>
           </a:xfrm>
           <a:prstGeom prst="rect">
@@ -6413,7 +6414,7 @@
         </p:nvSpPr>
         <p:spPr>
           <a:xfrm>
-            <a:off x="6811701" y="3809648"/>
+            <a:off x="6811703" y="3809650"/>
             <a:ext cx="2051387" cy="307777"/>
           </a:xfrm>
           <a:prstGeom prst="rect">
@@ -6458,7 +6459,7 @@
         </p:nvSpPr>
         <p:spPr>
           <a:xfrm>
-            <a:off x="6397365" y="2760454"/>
+            <a:off x="6397367" y="2760456"/>
             <a:ext cx="350797" cy="350797"/>
           </a:xfrm>
           <a:prstGeom prst="ellipse">
@@ -6511,7 +6512,7 @@
         </p:nvSpPr>
         <p:spPr>
           <a:xfrm>
-            <a:off x="6343510" y="3615028"/>
+            <a:off x="6343512" y="3615030"/>
             <a:ext cx="350797" cy="350797"/>
           </a:xfrm>
           <a:prstGeom prst="ellipse">
@@ -6564,7 +6565,7 @@
         </p:nvSpPr>
         <p:spPr>
           <a:xfrm>
-            <a:off x="8938753" y="2662976"/>
+            <a:off x="8938755" y="2662978"/>
             <a:ext cx="350797" cy="350797"/>
           </a:xfrm>
           <a:prstGeom prst="ellipse">
@@ -6613,7 +6614,7 @@
         </p:nvSpPr>
         <p:spPr>
           <a:xfrm>
-            <a:off x="8885282" y="3716977"/>
+            <a:off x="8885284" y="3716979"/>
             <a:ext cx="350797" cy="350797"/>
           </a:xfrm>
           <a:prstGeom prst="ellipse">
@@ -6662,7 +6663,7 @@
         </p:nvSpPr>
         <p:spPr>
           <a:xfrm>
-            <a:off x="5768640" y="3210557"/>
+            <a:off x="5768642" y="3210559"/>
             <a:ext cx="350797" cy="350797"/>
           </a:xfrm>
           <a:prstGeom prst="ellipse">
@@ -6715,7 +6716,7 @@
         </p:nvSpPr>
         <p:spPr>
           <a:xfrm>
-            <a:off x="5631424" y="3217722"/>
+            <a:off x="5631426" y="3217724"/>
             <a:ext cx="350797" cy="350797"/>
           </a:xfrm>
           <a:prstGeom prst="ellipse">
@@ -6768,7 +6769,7 @@
         </p:nvSpPr>
         <p:spPr>
           <a:xfrm>
-            <a:off x="9310139" y="3259505"/>
+            <a:off x="9310141" y="3259507"/>
             <a:ext cx="350797" cy="350797"/>
           </a:xfrm>
           <a:prstGeom prst="ellipse">
@@ -6924,7 +6925,7 @@
         </p:nvSpPr>
         <p:spPr>
           <a:xfrm>
-            <a:off x="5299843" y="4758426"/>
+            <a:off x="5299845" y="4758428"/>
             <a:ext cx="3881203" cy="1015663"/>
           </a:xfrm>
           <a:prstGeom prst="rect">
@@ -6987,7 +6988,7 @@
         </p:nvSpPr>
         <p:spPr>
           <a:xfrm>
-            <a:off x="2834870" y="5201106"/>
+            <a:off x="2834870" y="5201108"/>
             <a:ext cx="179850" cy="177553"/>
           </a:xfrm>
           <a:prstGeom prst="ellipse">
@@ -7088,7 +7089,7 @@
         </p:nvSpPr>
         <p:spPr>
           <a:xfrm>
-            <a:off x="8896154" y="5518542"/>
+            <a:off x="8896156" y="5518544"/>
             <a:ext cx="169549" cy="169549"/>
           </a:xfrm>
           <a:prstGeom prst="ellipse">
@@ -7137,7 +7138,7 @@
         </p:nvSpPr>
         <p:spPr>
           <a:xfrm>
-            <a:off x="8889204" y="5287864"/>
+            <a:off x="8889206" y="5287866"/>
             <a:ext cx="169549" cy="169549"/>
           </a:xfrm>
           <a:prstGeom prst="ellipse">
@@ -7189,7 +7190,7 @@
         </p:nvSpPr>
         <p:spPr>
           <a:xfrm>
-            <a:off x="8894106" y="5065797"/>
+            <a:off x="8894108" y="5065799"/>
             <a:ext cx="171597" cy="171597"/>
           </a:xfrm>
           <a:prstGeom prst="ellipse">
@@ -7471,7 +7472,7 @@
         </p:nvSpPr>
         <p:spPr>
           <a:xfrm>
-            <a:off x="3414117" y="-115583"/>
+            <a:off x="3414119" y="-115583"/>
             <a:ext cx="5162031" cy="805556"/>
           </a:xfrm>
           <a:prstGeom prst="rect">
@@ -7643,14 +7644,7 @@
               </a:spcAft>
             </a:pPr>
             <a:r>
-              <a:rPr lang="en-CA" sz="1026" kern="1200" dirty="0">
-                <a:solidFill>
-                  <a:schemeClr val="tx1"/>
-                </a:solidFill>
-                <a:latin typeface="+mn-lt"/>
-                <a:ea typeface="+mn-ea"/>
-                <a:cs typeface="+mn-cs"/>
-              </a:rPr>
+              <a:rPr lang="en-CA" sz="1026" dirty="0"/>
               <a:t>dispatcher$</a:t>
             </a:r>
             <a:endParaRPr lang="en-CA" dirty="0"/>
@@ -7671,7 +7665,7 @@
         </p:nvSpPr>
         <p:spPr>
           <a:xfrm>
-            <a:off x="5296538" y="1968303"/>
+            <a:off x="5296540" y="1968303"/>
             <a:ext cx="2632573" cy="2420592"/>
           </a:xfrm>
           <a:prstGeom prst="roundRect">
@@ -7748,7 +7742,7 @@
         </p:nvSpPr>
         <p:spPr>
           <a:xfrm>
-            <a:off x="3931163" y="2776496"/>
+            <a:off x="3931165" y="2776498"/>
             <a:ext cx="465463" cy="446027"/>
           </a:xfrm>
           <a:prstGeom prst="ellipse">
@@ -7816,7 +7810,7 @@
         </p:nvSpPr>
         <p:spPr>
           <a:xfrm>
-            <a:off x="3596014" y="2776495"/>
+            <a:off x="3596016" y="2776497"/>
             <a:ext cx="465463" cy="446027"/>
           </a:xfrm>
           <a:prstGeom prst="ellipse">
@@ -7888,7 +7882,7 @@
         </p:nvCxnSpPr>
         <p:spPr>
           <a:xfrm>
-            <a:off x="7929111" y="3178599"/>
+            <a:off x="7929113" y="3178599"/>
             <a:ext cx="1425231" cy="0"/>
           </a:xfrm>
           <a:prstGeom prst="straightConnector1">
@@ -8077,7 +8071,7 @@
         </p:nvSpPr>
         <p:spPr>
           <a:xfrm>
-            <a:off x="5312348" y="574723"/>
+            <a:off x="5312350" y="574725"/>
             <a:ext cx="2610385" cy="461665"/>
           </a:xfrm>
           <a:prstGeom prst="rect">
@@ -8126,7 +8120,7 @@
         </p:blipFill>
         <p:spPr>
           <a:xfrm>
-            <a:off x="9354342" y="1790072"/>
+            <a:off x="9354344" y="1790074"/>
             <a:ext cx="2834609" cy="2777053"/>
           </a:xfrm>
           <a:prstGeom prst="rect">
@@ -8202,7 +8196,7 @@
         </p:nvSpPr>
         <p:spPr>
           <a:xfrm>
-            <a:off x="4431145" y="4767385"/>
+            <a:off x="4431147" y="4767387"/>
             <a:ext cx="465463" cy="446027"/>
           </a:xfrm>
           <a:prstGeom prst="ellipse">
@@ -8529,7 +8523,7 @@
         </p:nvCxnSpPr>
         <p:spPr>
           <a:xfrm rot="5400000">
-            <a:off x="8997760" y="3713153"/>
+            <a:off x="8997760" y="3713155"/>
             <a:ext cx="1331950" cy="1210571"/>
           </a:xfrm>
           <a:prstGeom prst="bentConnector3">
@@ -8572,7 +8566,7 @@
         </p:nvCxnSpPr>
         <p:spPr>
           <a:xfrm rot="5400000">
-            <a:off x="8988209" y="4136311"/>
+            <a:off x="8988209" y="4136313"/>
             <a:ext cx="918792" cy="777413"/>
           </a:xfrm>
           <a:prstGeom prst="bentConnector3">
@@ -8611,7 +8605,7 @@
         </p:nvSpPr>
         <p:spPr>
           <a:xfrm>
-            <a:off x="9178788" y="4375829"/>
+            <a:off x="9178790" y="4375829"/>
             <a:ext cx="221267" cy="212028"/>
           </a:xfrm>
           <a:prstGeom prst="ellipse">
@@ -8747,7 +8741,7 @@
         </p:nvSpPr>
         <p:spPr>
           <a:xfrm>
-            <a:off x="8001100" y="2809853"/>
+            <a:off x="8001102" y="2809853"/>
             <a:ext cx="1205295" cy="261610"/>
           </a:xfrm>
           <a:prstGeom prst="rect">
@@ -8890,7 +8884,7 @@
         </p:nvSpPr>
         <p:spPr>
           <a:xfrm>
-            <a:off x="3414117" y="-115583"/>
+            <a:off x="3414119" y="-115583"/>
             <a:ext cx="5162031" cy="805556"/>
           </a:xfrm>
           <a:prstGeom prst="rect">
@@ -9062,14 +9056,7 @@
               </a:spcAft>
             </a:pPr>
             <a:r>
-              <a:rPr lang="en-CA" sz="1026" kern="1200" dirty="0">
-                <a:solidFill>
-                  <a:schemeClr val="tx1"/>
-                </a:solidFill>
-                <a:latin typeface="+mn-lt"/>
-                <a:ea typeface="+mn-ea"/>
-                <a:cs typeface="+mn-cs"/>
-              </a:rPr>
+              <a:rPr lang="en-CA" sz="1026" dirty="0"/>
               <a:t>dispatcher$</a:t>
             </a:r>
             <a:endParaRPr lang="en-CA" dirty="0"/>
@@ -9090,7 +9077,7 @@
         </p:nvSpPr>
         <p:spPr>
           <a:xfrm>
-            <a:off x="5045149" y="1048558"/>
+            <a:off x="5045151" y="1048558"/>
             <a:ext cx="2632573" cy="3797642"/>
           </a:xfrm>
           <a:prstGeom prst="roundRect">
@@ -9394,14 +9381,7 @@
               </a:spcAft>
             </a:pPr>
             <a:r>
-              <a:rPr lang="en-CA" sz="1026" kern="1200" dirty="0">
-                <a:solidFill>
-                  <a:schemeClr val="tx1"/>
-                </a:solidFill>
-                <a:latin typeface="+mn-lt"/>
-                <a:ea typeface="+mn-ea"/>
-                <a:cs typeface="+mn-cs"/>
-              </a:rPr>
+              <a:rPr lang="en-CA" sz="1026" dirty="0"/>
               <a:t>Update Todo Api</a:t>
             </a:r>
             <a:endParaRPr lang="en-CA" dirty="0"/>
@@ -9475,24 +9455,8 @@
                   <a:schemeClr val="tx1"/>
                 </a:solidFill>
               </a:rPr>
-              <a:t>i</a:t>
-            </a:r>
-            <a:r>
-              <a:rPr lang="en-CA" sz="1200" kern="1200" dirty="0">
-                <a:solidFill>
-                  <a:schemeClr val="tx1"/>
-                </a:solidFill>
-                <a:latin typeface="+mn-lt"/>
-                <a:ea typeface="+mn-ea"/>
-                <a:cs typeface="+mn-cs"/>
-              </a:rPr>
-              <a:t>d:1</a:t>
-            </a:r>
-            <a:endParaRPr lang="en-CA" sz="1200" dirty="0">
-              <a:solidFill>
-                <a:schemeClr val="tx1"/>
-              </a:solidFill>
-            </a:endParaRPr>
+              <a:t>id:1</a:t>
+            </a:r>
           </a:p>
         </p:txBody>
       </p:sp>
@@ -9549,21 +9513,13 @@
               </a:spcAft>
             </a:pPr>
             <a:r>
-              <a:rPr lang="en-CA" sz="1200" kern="1200" dirty="0">
+              <a:rPr lang="en-CA" sz="1200" dirty="0">
                 <a:solidFill>
                   <a:schemeClr val="tx1"/>
                 </a:solidFill>
-                <a:latin typeface="+mn-lt"/>
-                <a:ea typeface="+mn-ea"/>
-                <a:cs typeface="+mn-cs"/>
               </a:rPr>
               <a:t>id: 1</a:t>
             </a:r>
-            <a:endParaRPr lang="en-CA" sz="1200" dirty="0">
-              <a:solidFill>
-                <a:schemeClr val="tx1"/>
-              </a:solidFill>
-            </a:endParaRPr>
           </a:p>
         </p:txBody>
       </p:sp>
@@ -9658,14 +9614,7 @@
               </a:spcAft>
             </a:pPr>
             <a:r>
-              <a:rPr lang="en-CA" sz="1026" kern="1200" dirty="0">
-                <a:solidFill>
-                  <a:schemeClr val="tx1"/>
-                </a:solidFill>
-                <a:latin typeface="+mn-lt"/>
-                <a:ea typeface="+mn-ea"/>
-                <a:cs typeface="+mn-cs"/>
-              </a:rPr>
+              <a:rPr lang="en-CA" sz="1026" dirty="0"/>
               <a:t>Update Todo Api</a:t>
             </a:r>
             <a:endParaRPr lang="en-CA" dirty="0"/>
@@ -9725,21 +9674,13 @@
               </a:spcAft>
             </a:pPr>
             <a:r>
-              <a:rPr lang="en-CA" sz="1200" kern="1200" dirty="0">
+              <a:rPr lang="en-CA" sz="1200" dirty="0">
                 <a:solidFill>
                   <a:schemeClr val="tx1"/>
                 </a:solidFill>
-                <a:latin typeface="+mn-lt"/>
-                <a:ea typeface="+mn-ea"/>
-                <a:cs typeface="+mn-cs"/>
               </a:rPr>
               <a:t>id: 2</a:t>
             </a:r>
-            <a:endParaRPr lang="en-CA" sz="1200" dirty="0">
-              <a:solidFill>
-                <a:schemeClr val="tx1"/>
-              </a:solidFill>
-            </a:endParaRPr>
           </a:p>
         </p:txBody>
       </p:sp>
@@ -9810,24 +9751,8 @@
                   <a:schemeClr val="tx1"/>
                 </a:solidFill>
               </a:rPr>
-              <a:t>i</a:t>
-            </a:r>
-            <a:r>
-              <a:rPr lang="en-CA" sz="1200" kern="1200" dirty="0">
-                <a:solidFill>
-                  <a:schemeClr val="tx1"/>
-                </a:solidFill>
-                <a:latin typeface="+mn-lt"/>
-                <a:ea typeface="+mn-ea"/>
-                <a:cs typeface="+mn-cs"/>
-              </a:rPr>
-              <a:t>d:2</a:t>
-            </a:r>
-            <a:endParaRPr lang="en-CA" sz="1200" dirty="0">
-              <a:solidFill>
-                <a:schemeClr val="tx1"/>
-              </a:solidFill>
-            </a:endParaRPr>
+              <a:t>id:2</a:t>
+            </a:r>
           </a:p>
         </p:txBody>
       </p:sp>
@@ -9886,7 +9811,7 @@
         </p:nvSpPr>
         <p:spPr>
           <a:xfrm>
-            <a:off x="4244923" y="2703885"/>
+            <a:off x="4244925" y="2703887"/>
             <a:ext cx="465463" cy="446027"/>
           </a:xfrm>
           <a:prstGeom prst="ellipse">
@@ -9938,24 +9863,8 @@
                   <a:schemeClr val="tx1"/>
                 </a:solidFill>
               </a:rPr>
-              <a:t>i</a:t>
-            </a:r>
-            <a:r>
-              <a:rPr lang="en-CA" sz="1200" kern="1200" dirty="0">
-                <a:solidFill>
-                  <a:schemeClr val="tx1"/>
-                </a:solidFill>
-                <a:latin typeface="+mn-lt"/>
-                <a:ea typeface="+mn-ea"/>
-                <a:cs typeface="+mn-cs"/>
-              </a:rPr>
-              <a:t>d:1</a:t>
-            </a:r>
-            <a:endParaRPr lang="en-CA" sz="1200" dirty="0">
-              <a:solidFill>
-                <a:schemeClr val="tx1"/>
-              </a:solidFill>
-            </a:endParaRPr>
+              <a:t>id:1</a:t>
+            </a:r>
           </a:p>
         </p:txBody>
       </p:sp>
@@ -9973,7 +9882,7 @@
         </p:nvSpPr>
         <p:spPr>
           <a:xfrm>
-            <a:off x="3909774" y="2703884"/>
+            <a:off x="3909776" y="2703886"/>
             <a:ext cx="465463" cy="446027"/>
           </a:xfrm>
           <a:prstGeom prst="ellipse">
@@ -10025,24 +9934,8 @@
                   <a:schemeClr val="tx1"/>
                 </a:solidFill>
               </a:rPr>
-              <a:t>i</a:t>
-            </a:r>
-            <a:r>
-              <a:rPr lang="en-CA" sz="1200" kern="1200" dirty="0">
-                <a:solidFill>
-                  <a:schemeClr val="tx1"/>
-                </a:solidFill>
-                <a:latin typeface="+mn-lt"/>
-                <a:ea typeface="+mn-ea"/>
-                <a:cs typeface="+mn-cs"/>
-              </a:rPr>
-              <a:t>d:2</a:t>
-            </a:r>
-            <a:endParaRPr lang="en-CA" sz="1200" dirty="0">
-              <a:solidFill>
-                <a:schemeClr val="tx1"/>
-              </a:solidFill>
-            </a:endParaRPr>
+              <a:t>id:2</a:t>
+            </a:r>
           </a:p>
         </p:txBody>
       </p:sp>
@@ -10159,24 +10052,8 @@
                   <a:schemeClr val="tx1"/>
                 </a:solidFill>
               </a:rPr>
-              <a:t>i</a:t>
-            </a:r>
-            <a:r>
-              <a:rPr lang="en-CA" sz="1200" kern="1200" dirty="0">
-                <a:solidFill>
-                  <a:schemeClr val="tx1"/>
-                </a:solidFill>
-                <a:latin typeface="+mn-lt"/>
-                <a:ea typeface="+mn-ea"/>
-                <a:cs typeface="+mn-cs"/>
-              </a:rPr>
-              <a:t>d:2</a:t>
-            </a:r>
-            <a:endParaRPr lang="en-CA" sz="1200" dirty="0">
-              <a:solidFill>
-                <a:schemeClr val="tx1"/>
-              </a:solidFill>
-            </a:endParaRPr>
+              <a:t>id:2</a:t>
+            </a:r>
           </a:p>
         </p:txBody>
       </p:sp>
@@ -10242,7 +10119,7 @@
         </p:nvSpPr>
         <p:spPr>
           <a:xfrm>
-            <a:off x="4244923" y="5360700"/>
+            <a:off x="4244925" y="5360702"/>
             <a:ext cx="465463" cy="446027"/>
           </a:xfrm>
           <a:prstGeom prst="ellipse">
@@ -10294,24 +10171,8 @@
                   <a:schemeClr val="tx1"/>
                 </a:solidFill>
               </a:rPr>
-              <a:t>id</a:t>
-            </a:r>
-            <a:r>
-              <a:rPr lang="en-CA" sz="1200" kern="1200" dirty="0">
-                <a:solidFill>
-                  <a:schemeClr val="tx1"/>
-                </a:solidFill>
-                <a:latin typeface="+mn-lt"/>
-                <a:ea typeface="+mn-ea"/>
-                <a:cs typeface="+mn-cs"/>
-              </a:rPr>
-              <a:t>:1</a:t>
-            </a:r>
-            <a:endParaRPr lang="en-CA" sz="1200" dirty="0">
-              <a:solidFill>
-                <a:schemeClr val="tx1"/>
-              </a:solidFill>
-            </a:endParaRPr>
+              <a:t>id:1</a:t>
+            </a:r>
           </a:p>
         </p:txBody>
       </p:sp>
@@ -10672,7 +10533,7 @@
         </p:nvSpPr>
         <p:spPr>
           <a:xfrm>
-            <a:off x="3976707" y="574723"/>
+            <a:off x="3976709" y="574725"/>
             <a:ext cx="2610385" cy="461665"/>
           </a:xfrm>
           <a:prstGeom prst="rect">
@@ -10713,7 +10574,7 @@
         </p:nvCxnSpPr>
         <p:spPr>
           <a:xfrm rot="5400000">
-            <a:off x="9512861" y="3975895"/>
+            <a:off x="12179861" y="3975895"/>
             <a:ext cx="1962728" cy="1313438"/>
           </a:xfrm>
           <a:prstGeom prst="bentConnector3">
@@ -10756,7 +10617,7 @@
         </p:nvCxnSpPr>
         <p:spPr>
           <a:xfrm rot="5400000">
-            <a:off x="9385109" y="3303154"/>
+            <a:off x="12052111" y="3303154"/>
             <a:ext cx="2763221" cy="1858426"/>
           </a:xfrm>
           <a:prstGeom prst="bentConnector3">
@@ -10849,24 +10710,8 @@
                   <a:schemeClr val="tx1"/>
                 </a:solidFill>
               </a:rPr>
-              <a:t>i</a:t>
-            </a:r>
-            <a:r>
-              <a:rPr lang="en-CA" sz="1200" kern="1200" dirty="0">
-                <a:solidFill>
-                  <a:schemeClr val="tx1"/>
-                </a:solidFill>
-                <a:latin typeface="+mn-lt"/>
-                <a:ea typeface="+mn-ea"/>
-                <a:cs typeface="+mn-cs"/>
-              </a:rPr>
-              <a:t>d:1</a:t>
-            </a:r>
-            <a:endParaRPr lang="en-CA" sz="1200" dirty="0">
-              <a:solidFill>
-                <a:schemeClr val="tx1"/>
-              </a:solidFill>
-            </a:endParaRPr>
+              <a:t>id:1</a:t>
+            </a:r>
           </a:p>
         </p:txBody>
       </p:sp>
@@ -10936,24 +10781,8 @@
                   <a:schemeClr val="tx1"/>
                 </a:solidFill>
               </a:rPr>
-              <a:t>i</a:t>
-            </a:r>
-            <a:r>
-              <a:rPr lang="en-CA" sz="1200" kern="1200" dirty="0">
-                <a:solidFill>
-                  <a:schemeClr val="tx1"/>
-                </a:solidFill>
-                <a:latin typeface="+mn-lt"/>
-                <a:ea typeface="+mn-ea"/>
-                <a:cs typeface="+mn-cs"/>
-              </a:rPr>
-              <a:t>d:2</a:t>
-            </a:r>
-            <a:endParaRPr lang="en-CA" sz="1200" dirty="0">
-              <a:solidFill>
-                <a:schemeClr val="tx1"/>
-              </a:solidFill>
-            </a:endParaRPr>
+              <a:t>id:2</a:t>
+            </a:r>
           </a:p>
         </p:txBody>
       </p:sp>
@@ -11046,7 +10875,7 @@
         </p:nvSpPr>
         <p:spPr>
           <a:xfrm>
-            <a:off x="4789682" y="4088000"/>
+            <a:off x="4789682" y="4088002"/>
             <a:ext cx="2870130" cy="2427967"/>
           </a:xfrm>
           <a:prstGeom prst="roundRect">
@@ -11721,7 +11550,7 @@
         </p:nvSpPr>
         <p:spPr>
           <a:xfrm>
-            <a:off x="3987752" y="4602497"/>
+            <a:off x="3987754" y="4602499"/>
             <a:ext cx="350797" cy="350797"/>
           </a:xfrm>
           <a:prstGeom prst="ellipse">
@@ -11869,7 +11698,7 @@
         </p:nvSpPr>
         <p:spPr>
           <a:xfrm>
-            <a:off x="4133879" y="5159548"/>
+            <a:off x="4133881" y="5159550"/>
             <a:ext cx="350797" cy="350797"/>
           </a:xfrm>
           <a:prstGeom prst="ellipse">
@@ -11980,7 +11809,7 @@
         </p:blipFill>
         <p:spPr>
           <a:xfrm>
-            <a:off x="7958250" y="2556702"/>
+            <a:off x="7958252" y="2556702"/>
             <a:ext cx="3956455" cy="2440670"/>
           </a:xfrm>
           <a:prstGeom prst="rect">
@@ -12228,7 +12057,7 @@
         </p:nvCxnSpPr>
         <p:spPr>
           <a:xfrm rot="16200000" flipV="1">
-            <a:off x="5267368" y="-2112409"/>
+            <a:off x="5267370" y="-2112408"/>
             <a:ext cx="333267" cy="9004955"/>
           </a:xfrm>
           <a:prstGeom prst="bentConnector4">
@@ -12507,7 +12336,7 @@
         </p:nvSpPr>
         <p:spPr>
           <a:xfrm>
-            <a:off x="7958250" y="5159548"/>
+            <a:off x="7958250" y="5159550"/>
             <a:ext cx="1288730" cy="307777"/>
           </a:xfrm>
           <a:prstGeom prst="rect">
@@ -12848,7 +12677,7 @@
         </p:nvSpPr>
         <p:spPr>
           <a:xfrm>
-            <a:off x="4612811" y="228238"/>
+            <a:off x="4612813" y="228240"/>
             <a:ext cx="2610385" cy="461665"/>
           </a:xfrm>
           <a:prstGeom prst="rect">
@@ -12877,6 +12706,681 @@
     <p:extLst>
       <p:ext uri="{BB962C8B-B14F-4D97-AF65-F5344CB8AC3E}">
         <p14:creationId xmlns:p14="http://schemas.microsoft.com/office/powerpoint/2010/main" val="1433618258"/>
+      </p:ext>
+    </p:extLst>
+  </p:cSld>
+  <p:clrMapOvr>
+    <a:masterClrMapping/>
+  </p:clrMapOvr>
+</p:sld>
+</file>
+
+<file path=ppt/slides/slide14.xml><?xml version="1.0" encoding="utf-8"?>
+<p:sld xmlns:a="http://schemas.openxmlformats.org/drawingml/2006/main" xmlns:r="http://schemas.openxmlformats.org/officeDocument/2006/relationships" xmlns:p="http://schemas.openxmlformats.org/presentationml/2006/main">
+  <p:cSld>
+    <p:spTree>
+      <p:nvGrpSpPr>
+        <p:cNvPr id="1" name=""/>
+        <p:cNvGrpSpPr/>
+        <p:nvPr/>
+      </p:nvGrpSpPr>
+      <p:grpSpPr>
+        <a:xfrm>
+          <a:off x="0" y="0"/>
+          <a:ext cx="0" cy="0"/>
+          <a:chOff x="0" y="0"/>
+          <a:chExt cx="0" cy="0"/>
+        </a:xfrm>
+      </p:grpSpPr>
+      <p:graphicFrame>
+        <p:nvGraphicFramePr>
+          <p:cNvPr id="3" name="Table 3">
+            <a:extLst>
+              <a:ext uri="{FF2B5EF4-FFF2-40B4-BE49-F238E27FC236}">
+                <a16:creationId xmlns:a16="http://schemas.microsoft.com/office/drawing/2014/main" id="{8AB95FB7-22DA-F36A-2177-5575872A34AB}"/>
+              </a:ext>
+            </a:extLst>
+          </p:cNvPr>
+          <p:cNvGraphicFramePr>
+            <a:graphicFrameLocks noGrp="1"/>
+          </p:cNvGraphicFramePr>
+          <p:nvPr>
+            <p:extLst>
+              <p:ext uri="{D42A27DB-BD31-4B8C-83A1-F6EECF244321}">
+                <p14:modId xmlns:p14="http://schemas.microsoft.com/office/powerpoint/2010/main" val="3102383660"/>
+              </p:ext>
+            </p:extLst>
+          </p:nvPr>
+        </p:nvGraphicFramePr>
+        <p:xfrm>
+          <a:off x="443787" y="775170"/>
+          <a:ext cx="7085644" cy="2834640"/>
+        </p:xfrm>
+        <a:graphic>
+          <a:graphicData uri="http://schemas.openxmlformats.org/drawingml/2006/table">
+            <a:tbl>
+              <a:tblPr firstRow="1" bandRow="1">
+                <a:tableStyleId>{5C22544A-7EE6-4342-B048-85BDC9FD1C3A}</a:tableStyleId>
+              </a:tblPr>
+              <a:tblGrid>
+                <a:gridCol w="2361882">
+                  <a:extLst>
+                    <a:ext uri="{9D8B030D-6E8A-4147-A177-3AD203B41FA5}">
+                      <a16:colId xmlns:a16="http://schemas.microsoft.com/office/drawing/2014/main" val="734180390"/>
+                    </a:ext>
+                  </a:extLst>
+                </a:gridCol>
+                <a:gridCol w="2668074">
+                  <a:extLst>
+                    <a:ext uri="{9D8B030D-6E8A-4147-A177-3AD203B41FA5}">
+                      <a16:colId xmlns:a16="http://schemas.microsoft.com/office/drawing/2014/main" val="2286615271"/>
+                    </a:ext>
+                  </a:extLst>
+                </a:gridCol>
+                <a:gridCol w="2055688">
+                  <a:extLst>
+                    <a:ext uri="{9D8B030D-6E8A-4147-A177-3AD203B41FA5}">
+                      <a16:colId xmlns:a16="http://schemas.microsoft.com/office/drawing/2014/main" val="633070246"/>
+                    </a:ext>
+                  </a:extLst>
+                </a:gridCol>
+              </a:tblGrid>
+              <a:tr h="579774">
+                <a:tc>
+                  <a:txBody>
+                    <a:bodyPr/>
+                    <a:lstStyle/>
+                    <a:p>
+                      <a:r>
+                        <a:rPr lang="en-CA" dirty="0"/>
+                        <a:t>Frontend Framework</a:t>
+                      </a:r>
+                    </a:p>
+                  </a:txBody>
+                  <a:tcPr/>
+                </a:tc>
+                <a:tc>
+                  <a:txBody>
+                    <a:bodyPr/>
+                    <a:lstStyle/>
+                    <a:p>
+                      <a:r>
+                        <a:rPr lang="en-CA" dirty="0"/>
+                        <a:t>Application (global) State</a:t>
+                      </a:r>
+                    </a:p>
+                  </a:txBody>
+                  <a:tcPr/>
+                </a:tc>
+                <a:tc>
+                  <a:txBody>
+                    <a:bodyPr/>
+                    <a:lstStyle/>
+                    <a:p>
+                      <a:r>
+                        <a:rPr lang="en-CA" dirty="0"/>
+                        <a:t>Component (local) state</a:t>
+                      </a:r>
+                    </a:p>
+                  </a:txBody>
+                  <a:tcPr/>
+                </a:tc>
+                <a:extLst>
+                  <a:ext uri="{0D108BD9-81ED-4DB2-BD59-A6C34878D82A}">
+                    <a16:rowId xmlns:a16="http://schemas.microsoft.com/office/drawing/2014/main" val="3383211534"/>
+                  </a:ext>
+                </a:extLst>
+              </a:tr>
+              <a:tr h="469341">
+                <a:tc>
+                  <a:txBody>
+                    <a:bodyPr/>
+                    <a:lstStyle/>
+                    <a:p>
+                      <a:r>
+                        <a:rPr lang="en-CA" dirty="0"/>
+                        <a:t>React</a:t>
+                      </a:r>
+                    </a:p>
+                  </a:txBody>
+                  <a:tcPr/>
+                </a:tc>
+                <a:tc>
+                  <a:txBody>
+                    <a:bodyPr/>
+                    <a:lstStyle/>
+                    <a:p>
+                      <a:pPr marL="285750" indent="-285750">
+                        <a:buFont typeface="Arial" panose="020B0604020202020204" pitchFamily="34" charset="0"/>
+                        <a:buChar char="•"/>
+                      </a:pPr>
+                      <a:r>
+                        <a:rPr lang="en-CA" sz="1400" dirty="0"/>
+                        <a:t>Redux</a:t>
+                      </a:r>
+                    </a:p>
+                    <a:p>
+                      <a:pPr marL="285750" indent="-285750">
+                        <a:buFont typeface="Arial" panose="020B0604020202020204" pitchFamily="34" charset="0"/>
+                        <a:buChar char="•"/>
+                      </a:pPr>
+                      <a:r>
+                        <a:rPr lang="en-CA" sz="1400" dirty="0"/>
+                        <a:t>Context API</a:t>
+                      </a:r>
+                    </a:p>
+                  </a:txBody>
+                  <a:tcPr/>
+                </a:tc>
+                <a:tc>
+                  <a:txBody>
+                    <a:bodyPr/>
+                    <a:lstStyle/>
+                    <a:p>
+                      <a:pPr marL="285750" indent="-285750">
+                        <a:buFont typeface="Arial" panose="020B0604020202020204" pitchFamily="34" charset="0"/>
+                        <a:buChar char="•"/>
+                      </a:pPr>
+                      <a:r>
+                        <a:rPr lang="en-CA" sz="1400" dirty="0"/>
+                        <a:t>useState</a:t>
+                      </a:r>
+                    </a:p>
+                    <a:p>
+                      <a:pPr marL="285750" indent="-285750">
+                        <a:buFont typeface="Arial" panose="020B0604020202020204" pitchFamily="34" charset="0"/>
+                        <a:buChar char="•"/>
+                      </a:pPr>
+                      <a:r>
+                        <a:rPr lang="en-CA" sz="1400" dirty="0"/>
+                        <a:t>useReducer</a:t>
+                      </a:r>
+                    </a:p>
+                  </a:txBody>
+                  <a:tcPr/>
+                </a:tc>
+                <a:extLst>
+                  <a:ext uri="{0D108BD9-81ED-4DB2-BD59-A6C34878D82A}">
+                    <a16:rowId xmlns:a16="http://schemas.microsoft.com/office/drawing/2014/main" val="2316131968"/>
+                  </a:ext>
+                </a:extLst>
+              </a:tr>
+              <a:tr h="942115">
+                <a:tc>
+                  <a:txBody>
+                    <a:bodyPr/>
+                    <a:lstStyle/>
+                    <a:p>
+                      <a:r>
+                        <a:rPr lang="en-CA" dirty="0"/>
+                        <a:t>Angular</a:t>
+                      </a:r>
+                    </a:p>
+                  </a:txBody>
+                  <a:tcPr/>
+                </a:tc>
+                <a:tc>
+                  <a:txBody>
+                    <a:bodyPr/>
+                    <a:lstStyle/>
+                    <a:p>
+                      <a:pPr marL="285750" indent="-285750">
+                        <a:buFont typeface="Arial" panose="020B0604020202020204" pitchFamily="34" charset="0"/>
+                        <a:buChar char="•"/>
+                      </a:pPr>
+                      <a:r>
+                        <a:rPr lang="en-CA" sz="1400" dirty="0"/>
+                        <a:t>NgRx</a:t>
+                      </a:r>
+                    </a:p>
+                    <a:p>
+                      <a:pPr marL="285750" indent="-285750">
+                        <a:buFont typeface="Arial" panose="020B0604020202020204" pitchFamily="34" charset="0"/>
+                        <a:buChar char="•"/>
+                      </a:pPr>
+                      <a:r>
+                        <a:rPr lang="en-CA" sz="1400" dirty="0"/>
+                        <a:t>Angular Services</a:t>
+                      </a:r>
+                    </a:p>
+                  </a:txBody>
+                  <a:tcPr/>
+                </a:tc>
+                <a:tc>
+                  <a:txBody>
+                    <a:bodyPr/>
+                    <a:lstStyle/>
+                    <a:p>
+                      <a:pPr marL="285750" indent="-285750">
+                        <a:buFont typeface="Arial" panose="020B0604020202020204" pitchFamily="34" charset="0"/>
+                        <a:buChar char="•"/>
+                      </a:pPr>
+                      <a:r>
+                        <a:rPr lang="en-CA" sz="1400" dirty="0"/>
+                        <a:t>Signals</a:t>
+                      </a:r>
+                    </a:p>
+                    <a:p>
+                      <a:pPr marL="285750" indent="-285750">
+                        <a:buFont typeface="Arial" panose="020B0604020202020204" pitchFamily="34" charset="0"/>
+                        <a:buChar char="•"/>
+                      </a:pPr>
+                      <a:r>
+                        <a:rPr lang="en-CA" sz="1400" dirty="0"/>
+                        <a:t>RxJS Observables</a:t>
+                      </a:r>
+                    </a:p>
+                    <a:p>
+                      <a:pPr marL="285750" indent="-285750">
+                        <a:buFont typeface="Arial" panose="020B0604020202020204" pitchFamily="34" charset="0"/>
+                        <a:buChar char="•"/>
+                      </a:pPr>
+                      <a:r>
+                        <a:rPr lang="en-CA" sz="1400" dirty="0"/>
+                        <a:t>Component class properties</a:t>
+                      </a:r>
+                    </a:p>
+                  </a:txBody>
+                  <a:tcPr/>
+                </a:tc>
+                <a:extLst>
+                  <a:ext uri="{0D108BD9-81ED-4DB2-BD59-A6C34878D82A}">
+                    <a16:rowId xmlns:a16="http://schemas.microsoft.com/office/drawing/2014/main" val="631243619"/>
+                  </a:ext>
+                </a:extLst>
+              </a:tr>
+              <a:tr h="662599">
+                <a:tc>
+                  <a:txBody>
+                    <a:bodyPr/>
+                    <a:lstStyle/>
+                    <a:p>
+                      <a:r>
+                        <a:rPr lang="en-CA" dirty="0"/>
+                        <a:t>Vue</a:t>
+                      </a:r>
+                    </a:p>
+                  </a:txBody>
+                  <a:tcPr/>
+                </a:tc>
+                <a:tc>
+                  <a:txBody>
+                    <a:bodyPr/>
+                    <a:lstStyle/>
+                    <a:p>
+                      <a:pPr marL="285750" indent="-285750">
+                        <a:buFont typeface="Arial" panose="020B0604020202020204" pitchFamily="34" charset="0"/>
+                        <a:buChar char="•"/>
+                      </a:pPr>
+                      <a:r>
+                        <a:rPr lang="en-CA" sz="1400" dirty="0"/>
+                        <a:t>Pinia</a:t>
+                      </a:r>
+                    </a:p>
+                    <a:p>
+                      <a:pPr marL="285750" indent="-285750">
+                        <a:buFont typeface="Arial" panose="020B0604020202020204" pitchFamily="34" charset="0"/>
+                        <a:buChar char="•"/>
+                      </a:pPr>
+                      <a:r>
+                        <a:rPr lang="en-CA" sz="1400" dirty="0"/>
+                        <a:t>Reactivity API</a:t>
+                      </a:r>
+                    </a:p>
+                    <a:p>
+                      <a:pPr marL="285750" indent="-285750">
+                        <a:buFont typeface="Arial" panose="020B0604020202020204" pitchFamily="34" charset="0"/>
+                        <a:buChar char="•"/>
+                      </a:pPr>
+                      <a:r>
+                        <a:rPr lang="en-CA" sz="1400" dirty="0"/>
+                        <a:t>Vuex</a:t>
+                      </a:r>
+                    </a:p>
+                  </a:txBody>
+                  <a:tcPr/>
+                </a:tc>
+                <a:tc>
+                  <a:txBody>
+                    <a:bodyPr/>
+                    <a:lstStyle/>
+                    <a:p>
+                      <a:pPr marL="285750" indent="-285750">
+                        <a:buFont typeface="Arial" panose="020B0604020202020204" pitchFamily="34" charset="0"/>
+                        <a:buChar char="•"/>
+                      </a:pPr>
+                      <a:r>
+                        <a:rPr lang="en-CA" sz="1400" dirty="0"/>
+                        <a:t>ref</a:t>
+                      </a:r>
+                    </a:p>
+                  </a:txBody>
+                  <a:tcPr/>
+                </a:tc>
+                <a:extLst>
+                  <a:ext uri="{0D108BD9-81ED-4DB2-BD59-A6C34878D82A}">
+                    <a16:rowId xmlns:a16="http://schemas.microsoft.com/office/drawing/2014/main" val="2410763806"/>
+                  </a:ext>
+                </a:extLst>
+              </a:tr>
+            </a:tbl>
+          </a:graphicData>
+        </a:graphic>
+      </p:graphicFrame>
+      <p:graphicFrame>
+        <p:nvGraphicFramePr>
+          <p:cNvPr id="4" name="Table 3">
+            <a:extLst>
+              <a:ext uri="{FF2B5EF4-FFF2-40B4-BE49-F238E27FC236}">
+                <a16:creationId xmlns:a16="http://schemas.microsoft.com/office/drawing/2014/main" id="{62A31E3E-A3F5-F3E3-46A5-585FD89C8464}"/>
+              </a:ext>
+            </a:extLst>
+          </p:cNvPr>
+          <p:cNvGraphicFramePr>
+            <a:graphicFrameLocks noGrp="1"/>
+          </p:cNvGraphicFramePr>
+          <p:nvPr>
+            <p:extLst>
+              <p:ext uri="{D42A27DB-BD31-4B8C-83A1-F6EECF244321}">
+                <p14:modId xmlns:p14="http://schemas.microsoft.com/office/powerpoint/2010/main" val="3930700255"/>
+              </p:ext>
+            </p:extLst>
+          </p:nvPr>
+        </p:nvGraphicFramePr>
+        <p:xfrm>
+          <a:off x="443787" y="4117032"/>
+          <a:ext cx="7085643" cy="2466648"/>
+        </p:xfrm>
+        <a:graphic>
+          <a:graphicData uri="http://schemas.openxmlformats.org/drawingml/2006/table">
+            <a:tbl>
+              <a:tblPr firstRow="1" bandRow="1">
+                <a:tableStyleId>{5C22544A-7EE6-4342-B048-85BDC9FD1C3A}</a:tableStyleId>
+              </a:tblPr>
+              <a:tblGrid>
+                <a:gridCol w="2361881">
+                  <a:extLst>
+                    <a:ext uri="{9D8B030D-6E8A-4147-A177-3AD203B41FA5}">
+                      <a16:colId xmlns:a16="http://schemas.microsoft.com/office/drawing/2014/main" val="734180390"/>
+                    </a:ext>
+                  </a:extLst>
+                </a:gridCol>
+                <a:gridCol w="2361881">
+                  <a:extLst>
+                    <a:ext uri="{9D8B030D-6E8A-4147-A177-3AD203B41FA5}">
+                      <a16:colId xmlns:a16="http://schemas.microsoft.com/office/drawing/2014/main" val="2286615271"/>
+                    </a:ext>
+                  </a:extLst>
+                </a:gridCol>
+                <a:gridCol w="2361881">
+                  <a:extLst>
+                    <a:ext uri="{9D8B030D-6E8A-4147-A177-3AD203B41FA5}">
+                      <a16:colId xmlns:a16="http://schemas.microsoft.com/office/drawing/2014/main" val="633070246"/>
+                    </a:ext>
+                  </a:extLst>
+                </a:gridCol>
+              </a:tblGrid>
+              <a:tr h="650406">
+                <a:tc>
+                  <a:txBody>
+                    <a:bodyPr/>
+                    <a:lstStyle/>
+                    <a:p>
+                      <a:r>
+                        <a:rPr lang="en-CA" dirty="0"/>
+                        <a:t>Frontend Framework</a:t>
+                      </a:r>
+                    </a:p>
+                  </a:txBody>
+                  <a:tcPr/>
+                </a:tc>
+                <a:tc>
+                  <a:txBody>
+                    <a:bodyPr/>
+                    <a:lstStyle/>
+                    <a:p>
+                      <a:r>
+                        <a:rPr lang="en-CA" dirty="0"/>
+                        <a:t>Application (global) State</a:t>
+                      </a:r>
+                    </a:p>
+                  </a:txBody>
+                  <a:tcPr/>
+                </a:tc>
+                <a:tc>
+                  <a:txBody>
+                    <a:bodyPr/>
+                    <a:lstStyle/>
+                    <a:p>
+                      <a:r>
+                        <a:rPr lang="en-CA" dirty="0"/>
+                        <a:t>Component (local) state</a:t>
+                      </a:r>
+                    </a:p>
+                  </a:txBody>
+                  <a:tcPr/>
+                </a:tc>
+                <a:extLst>
+                  <a:ext uri="{0D108BD9-81ED-4DB2-BD59-A6C34878D82A}">
+                    <a16:rowId xmlns:a16="http://schemas.microsoft.com/office/drawing/2014/main" val="3383211534"/>
+                  </a:ext>
+                </a:extLst>
+              </a:tr>
+              <a:tr h="413051">
+                <a:tc>
+                  <a:txBody>
+                    <a:bodyPr/>
+                    <a:lstStyle/>
+                    <a:p>
+                      <a:r>
+                        <a:rPr lang="en-CA" dirty="0"/>
+                        <a:t>React</a:t>
+                      </a:r>
+                    </a:p>
+                  </a:txBody>
+                  <a:tcPr/>
+                </a:tc>
+                <a:tc rowSpan="3" gridSpan="2">
+                  <a:txBody>
+                    <a:bodyPr/>
+                    <a:lstStyle/>
+                    <a:p>
+                      <a:pPr algn="ctr"/>
+                      <a:r>
+                        <a:rPr lang="en-CA" sz="3600" dirty="0" err="1"/>
+                        <a:t>Reactables</a:t>
+                      </a:r>
+                      <a:endParaRPr lang="en-CA" sz="3600" dirty="0"/>
+                    </a:p>
+                  </a:txBody>
+                  <a:tcPr anchor="ctr"/>
+                </a:tc>
+                <a:tc rowSpan="3" hMerge="1">
+                  <a:txBody>
+                    <a:bodyPr/>
+                    <a:lstStyle/>
+                    <a:p>
+                      <a:endParaRPr lang="en-CA" dirty="0"/>
+                    </a:p>
+                  </a:txBody>
+                  <a:tcPr/>
+                </a:tc>
+                <a:extLst>
+                  <a:ext uri="{0D108BD9-81ED-4DB2-BD59-A6C34878D82A}">
+                    <a16:rowId xmlns:a16="http://schemas.microsoft.com/office/drawing/2014/main" val="2316131968"/>
+                  </a:ext>
+                </a:extLst>
+              </a:tr>
+              <a:tr h="994391">
+                <a:tc>
+                  <a:txBody>
+                    <a:bodyPr/>
+                    <a:lstStyle/>
+                    <a:p>
+                      <a:r>
+                        <a:rPr lang="en-CA" dirty="0"/>
+                        <a:t>Angular</a:t>
+                      </a:r>
+                    </a:p>
+                  </a:txBody>
+                  <a:tcPr/>
+                </a:tc>
+                <a:tc gridSpan="2" vMerge="1">
+                  <a:txBody>
+                    <a:bodyPr/>
+                    <a:lstStyle/>
+                    <a:p>
+                      <a:endParaRPr lang="en-CA" dirty="0"/>
+                    </a:p>
+                  </a:txBody>
+                  <a:tcPr/>
+                </a:tc>
+                <a:tc hMerge="1" vMerge="1">
+                  <a:txBody>
+                    <a:bodyPr/>
+                    <a:lstStyle/>
+                    <a:p>
+                      <a:endParaRPr lang="en-CA" dirty="0"/>
+                    </a:p>
+                  </a:txBody>
+                  <a:tcPr/>
+                </a:tc>
+                <a:extLst>
+                  <a:ext uri="{0D108BD9-81ED-4DB2-BD59-A6C34878D82A}">
+                    <a16:rowId xmlns:a16="http://schemas.microsoft.com/office/drawing/2014/main" val="631243619"/>
+                  </a:ext>
+                </a:extLst>
+              </a:tr>
+              <a:tr h="408800">
+                <a:tc>
+                  <a:txBody>
+                    <a:bodyPr/>
+                    <a:lstStyle/>
+                    <a:p>
+                      <a:r>
+                        <a:rPr lang="en-CA" dirty="0"/>
+                        <a:t>Vue</a:t>
+                      </a:r>
+                    </a:p>
+                  </a:txBody>
+                  <a:tcPr/>
+                </a:tc>
+                <a:tc gridSpan="2" vMerge="1">
+                  <a:txBody>
+                    <a:bodyPr/>
+                    <a:lstStyle/>
+                    <a:p>
+                      <a:endParaRPr lang="en-CA" dirty="0"/>
+                    </a:p>
+                  </a:txBody>
+                  <a:tcPr/>
+                </a:tc>
+                <a:tc hMerge="1" vMerge="1">
+                  <a:txBody>
+                    <a:bodyPr/>
+                    <a:lstStyle/>
+                    <a:p>
+                      <a:endParaRPr lang="en-CA" dirty="0"/>
+                    </a:p>
+                  </a:txBody>
+                  <a:tcPr/>
+                </a:tc>
+                <a:extLst>
+                  <a:ext uri="{0D108BD9-81ED-4DB2-BD59-A6C34878D82A}">
+                    <a16:rowId xmlns:a16="http://schemas.microsoft.com/office/drawing/2014/main" val="2410763806"/>
+                  </a:ext>
+                </a:extLst>
+              </a:tr>
+            </a:tbl>
+          </a:graphicData>
+        </a:graphic>
+      </p:graphicFrame>
+      <p:sp>
+        <p:nvSpPr>
+          <p:cNvPr id="5" name="Arrow: Right 4">
+            <a:extLst>
+              <a:ext uri="{FF2B5EF4-FFF2-40B4-BE49-F238E27FC236}">
+                <a16:creationId xmlns:a16="http://schemas.microsoft.com/office/drawing/2014/main" id="{CA6FAA0F-2DAD-3D23-9FB5-42966977B89C}"/>
+              </a:ext>
+            </a:extLst>
+          </p:cNvPr>
+          <p:cNvSpPr/>
+          <p:nvPr/>
+        </p:nvSpPr>
+        <p:spPr>
+          <a:xfrm rot="5400000">
+            <a:off x="5542551" y="2923907"/>
+            <a:ext cx="1155031" cy="381000"/>
+          </a:xfrm>
+          <a:prstGeom prst="rightArrow">
+            <a:avLst/>
+          </a:prstGeom>
+        </p:spPr>
+        <p:style>
+          <a:lnRef idx="2">
+            <a:schemeClr val="accent1">
+              <a:shade val="15000"/>
+            </a:schemeClr>
+          </a:lnRef>
+          <a:fillRef idx="1">
+            <a:schemeClr val="accent1"/>
+          </a:fillRef>
+          <a:effectRef idx="0">
+            <a:schemeClr val="accent1"/>
+          </a:effectRef>
+          <a:fontRef idx="minor">
+            <a:schemeClr val="lt1"/>
+          </a:fontRef>
+        </p:style>
+        <p:txBody>
+          <a:bodyPr rtlCol="0" anchor="ctr"/>
+          <a:lstStyle/>
+          <a:p>
+            <a:pPr algn="ctr"/>
+            <a:endParaRPr lang="en-CA"/>
+          </a:p>
+        </p:txBody>
+      </p:sp>
+      <p:sp>
+        <p:nvSpPr>
+          <p:cNvPr id="6" name="TextBox 5">
+            <a:extLst>
+              <a:ext uri="{FF2B5EF4-FFF2-40B4-BE49-F238E27FC236}">
+                <a16:creationId xmlns:a16="http://schemas.microsoft.com/office/drawing/2014/main" id="{54405CA9-FB9D-918C-2A43-65255C2E8CF4}"/>
+              </a:ext>
+            </a:extLst>
+          </p:cNvPr>
+          <p:cNvSpPr txBox="1"/>
+          <p:nvPr/>
+        </p:nvSpPr>
+        <p:spPr>
+          <a:xfrm>
+            <a:off x="865770" y="201187"/>
+            <a:ext cx="4203032" cy="461665"/>
+          </a:xfrm>
+          <a:prstGeom prst="rect">
+            <a:avLst/>
+          </a:prstGeom>
+          <a:noFill/>
+        </p:spPr>
+        <p:txBody>
+          <a:bodyPr wrap="square" rtlCol="0">
+            <a:spAutoFit/>
+          </a:bodyPr>
+          <a:lstStyle/>
+          <a:p>
+            <a:pPr algn="ctr"/>
+            <a:r>
+              <a:rPr lang="en-CA" sz="2400" dirty="0"/>
+              <a:t>??? What to use ???</a:t>
+            </a:r>
+          </a:p>
+        </p:txBody>
+      </p:sp>
+    </p:spTree>
+    <p:extLst>
+      <p:ext uri="{BB962C8B-B14F-4D97-AF65-F5344CB8AC3E}">
+        <p14:creationId xmlns:p14="http://schemas.microsoft.com/office/powerpoint/2010/main" val="2914993349"/>
       </p:ext>
     </p:extLst>
   </p:cSld>
@@ -13006,7 +13510,7 @@
         </p:nvSpPr>
         <p:spPr>
           <a:xfrm>
-            <a:off x="9123684" y="2815072"/>
+            <a:off x="9123684" y="2815074"/>
             <a:ext cx="1849120" cy="1005839"/>
           </a:xfrm>
           <a:prstGeom prst="roundRect">
@@ -13565,7 +14069,7 @@
         </p:nvSpPr>
         <p:spPr>
           <a:xfrm>
-            <a:off x="6518289" y="960230"/>
+            <a:off x="6518289" y="960232"/>
             <a:ext cx="3712358" cy="646331"/>
           </a:xfrm>
           <a:prstGeom prst="rect">
@@ -13653,7 +14157,7 @@
         </p:nvSpPr>
         <p:spPr>
           <a:xfrm>
-            <a:off x="4045651" y="3198381"/>
+            <a:off x="4045653" y="3198381"/>
             <a:ext cx="1381761" cy="369332"/>
           </a:xfrm>
           <a:prstGeom prst="rect">
@@ -14036,7 +14540,7 @@
         </p:nvSpPr>
         <p:spPr>
           <a:xfrm>
-            <a:off x="4483895" y="1687382"/>
+            <a:off x="4483897" y="1687382"/>
             <a:ext cx="3066095" cy="369332"/>
           </a:xfrm>
           <a:prstGeom prst="rect">
@@ -14083,7 +14587,7 @@
         </p:nvSpPr>
         <p:spPr>
           <a:xfrm>
-            <a:off x="9304804" y="2874953"/>
+            <a:off x="9304806" y="2874955"/>
             <a:ext cx="655495" cy="655495"/>
           </a:xfrm>
           <a:prstGeom prst="ellipse">
@@ -14135,7 +14639,7 @@
         </p:nvSpPr>
         <p:spPr>
           <a:xfrm>
-            <a:off x="7934057" y="1609218"/>
+            <a:off x="7934059" y="1609220"/>
             <a:ext cx="655495" cy="655495"/>
           </a:xfrm>
           <a:prstGeom prst="ellipse">
@@ -14449,7 +14953,7 @@
         </p:nvSpPr>
         <p:spPr>
           <a:xfrm>
-            <a:off x="7336663" y="2918371"/>
+            <a:off x="7336665" y="2918373"/>
             <a:ext cx="655495" cy="655495"/>
           </a:xfrm>
           <a:prstGeom prst="ellipse">
@@ -14501,7 +15005,7 @@
         </p:nvSpPr>
         <p:spPr>
           <a:xfrm>
-            <a:off x="8183449" y="2888643"/>
+            <a:off x="8183451" y="2888645"/>
             <a:ext cx="655495" cy="655495"/>
           </a:xfrm>
           <a:prstGeom prst="ellipse">
@@ -14553,7 +15057,7 @@
         </p:nvSpPr>
         <p:spPr>
           <a:xfrm>
-            <a:off x="3521525" y="3887598"/>
+            <a:off x="3521527" y="3887600"/>
             <a:ext cx="1983925" cy="646331"/>
           </a:xfrm>
           <a:prstGeom prst="rect">
@@ -14600,7 +15104,7 @@
         </p:nvSpPr>
         <p:spPr>
           <a:xfrm>
-            <a:off x="3344413" y="5064203"/>
+            <a:off x="3344415" y="5064205"/>
             <a:ext cx="1983925" cy="646331"/>
           </a:xfrm>
           <a:prstGeom prst="rect">
@@ -14654,7 +15158,7 @@
         </p:nvSpPr>
         <p:spPr>
           <a:xfrm>
-            <a:off x="5932125" y="3759519"/>
+            <a:off x="5932127" y="3759521"/>
             <a:ext cx="655495" cy="655495"/>
           </a:xfrm>
           <a:prstGeom prst="ellipse">
@@ -14710,7 +15214,7 @@
         </p:nvSpPr>
         <p:spPr>
           <a:xfrm>
-            <a:off x="5684430" y="5111599"/>
+            <a:off x="5684432" y="5111601"/>
             <a:ext cx="655495" cy="655495"/>
           </a:xfrm>
           <a:prstGeom prst="ellipse">
@@ -15028,7 +15532,7 @@
         </p:nvSpPr>
         <p:spPr>
           <a:xfrm>
-            <a:off x="2736371" y="1902241"/>
+            <a:off x="2736373" y="1902243"/>
             <a:ext cx="655495" cy="655495"/>
           </a:xfrm>
           <a:prstGeom prst="ellipse">
@@ -15081,7 +15585,7 @@
         </p:nvSpPr>
         <p:spPr>
           <a:xfrm>
-            <a:off x="5205859" y="3035641"/>
+            <a:off x="5205861" y="3035641"/>
             <a:ext cx="1381761" cy="369332"/>
           </a:xfrm>
           <a:prstGeom prst="rect">
@@ -15337,7 +15841,7 @@
         </p:nvSpPr>
         <p:spPr>
           <a:xfrm>
-            <a:off x="2693819" y="267998"/>
+            <a:off x="2693821" y="268000"/>
             <a:ext cx="835193" cy="454329"/>
           </a:xfrm>
           <a:prstGeom prst="roundRect">
@@ -15664,7 +16168,7 @@
         </p:nvSpPr>
         <p:spPr>
           <a:xfrm>
-            <a:off x="2936199" y="1872252"/>
+            <a:off x="2936201" y="1872254"/>
             <a:ext cx="835193" cy="454329"/>
           </a:xfrm>
           <a:prstGeom prst="roundRect">
@@ -15852,7 +16356,7 @@
         </p:nvSpPr>
         <p:spPr>
           <a:xfrm>
-            <a:off x="3872486" y="1870050"/>
+            <a:off x="3872488" y="1870052"/>
             <a:ext cx="835193" cy="454329"/>
           </a:xfrm>
           <a:prstGeom prst="roundRect">
@@ -16060,7 +16564,7 @@
         </p:nvSpPr>
         <p:spPr>
           <a:xfrm>
-            <a:off x="2944799" y="2938771"/>
+            <a:off x="2944801" y="2938773"/>
             <a:ext cx="835193" cy="454329"/>
           </a:xfrm>
           <a:prstGeom prst="roundRect">
@@ -16163,7 +16667,7 @@
         </p:nvSpPr>
         <p:spPr>
           <a:xfrm>
-            <a:off x="3531300" y="1178887"/>
+            <a:off x="3531302" y="1178889"/>
             <a:ext cx="835193" cy="454329"/>
           </a:xfrm>
           <a:prstGeom prst="roundRect">
@@ -16266,7 +16770,7 @@
         </p:nvSpPr>
         <p:spPr>
           <a:xfrm>
-            <a:off x="4474755" y="2956197"/>
+            <a:off x="4474757" y="2956199"/>
             <a:ext cx="835193" cy="454329"/>
           </a:xfrm>
           <a:prstGeom prst="roundRect">
@@ -16325,7 +16829,7 @@
         </p:nvSpPr>
         <p:spPr>
           <a:xfrm>
-            <a:off x="7972554" y="2919834"/>
+            <a:off x="7972556" y="2919836"/>
             <a:ext cx="835193" cy="454329"/>
           </a:xfrm>
           <a:prstGeom prst="roundRect">
@@ -16384,7 +16888,7 @@
         </p:nvSpPr>
         <p:spPr>
           <a:xfrm>
-            <a:off x="7040285" y="2983330"/>
+            <a:off x="7040285" y="2983332"/>
             <a:ext cx="509838" cy="276999"/>
           </a:xfrm>
           <a:prstGeom prst="rect">
@@ -16421,7 +16925,7 @@
         </p:nvCxnSpPr>
         <p:spPr>
           <a:xfrm>
-            <a:off x="7629697" y="3121829"/>
+            <a:off x="7629699" y="3121829"/>
             <a:ext cx="323759" cy="0"/>
           </a:xfrm>
           <a:prstGeom prst="straightConnector1">
@@ -16463,7 +16967,7 @@
         </p:nvSpPr>
         <p:spPr>
           <a:xfrm>
-            <a:off x="6905199" y="2937164"/>
+            <a:off x="6905199" y="2937166"/>
             <a:ext cx="697832" cy="369333"/>
           </a:xfrm>
           <a:prstGeom prst="ellipse">
@@ -16513,7 +17017,7 @@
         </p:nvSpPr>
         <p:spPr>
           <a:xfrm>
-            <a:off x="3107164" y="4221186"/>
+            <a:off x="3107166" y="4221188"/>
             <a:ext cx="835193" cy="454329"/>
           </a:xfrm>
           <a:prstGeom prst="roundRect">
@@ -16609,7 +17113,7 @@
         </p:nvCxnSpPr>
         <p:spPr>
           <a:xfrm>
-            <a:off x="2764307" y="4423181"/>
+            <a:off x="2764309" y="4423181"/>
             <a:ext cx="323759" cy="0"/>
           </a:xfrm>
           <a:prstGeom prst="straightConnector1">
@@ -16701,7 +17205,7 @@
         </p:nvSpPr>
         <p:spPr>
           <a:xfrm>
-            <a:off x="5523869" y="4221186"/>
+            <a:off x="5523871" y="4221188"/>
             <a:ext cx="835193" cy="454329"/>
           </a:xfrm>
           <a:prstGeom prst="roundRect">
@@ -16760,7 +17264,7 @@
         </p:nvSpPr>
         <p:spPr>
           <a:xfrm>
-            <a:off x="4591600" y="4284682"/>
+            <a:off x="4591600" y="4284684"/>
             <a:ext cx="509838" cy="276999"/>
           </a:xfrm>
           <a:prstGeom prst="rect">
@@ -16797,7 +17301,7 @@
         </p:nvCxnSpPr>
         <p:spPr>
           <a:xfrm>
-            <a:off x="5181012" y="4423181"/>
+            <a:off x="5181014" y="4423181"/>
             <a:ext cx="323759" cy="0"/>
           </a:xfrm>
           <a:prstGeom prst="straightConnector1">
@@ -16839,7 +17343,7 @@
         </p:nvSpPr>
         <p:spPr>
           <a:xfrm>
-            <a:off x="4456514" y="4238516"/>
+            <a:off x="4456514" y="4238518"/>
             <a:ext cx="697832" cy="369333"/>
           </a:xfrm>
           <a:prstGeom prst="ellipse">
@@ -16889,7 +17393,7 @@
         </p:nvSpPr>
         <p:spPr>
           <a:xfrm>
-            <a:off x="8029471" y="4196239"/>
+            <a:off x="8029473" y="4196241"/>
             <a:ext cx="835193" cy="454329"/>
           </a:xfrm>
           <a:prstGeom prst="roundRect">
@@ -16948,7 +17452,7 @@
         </p:nvSpPr>
         <p:spPr>
           <a:xfrm>
-            <a:off x="7097202" y="4259735"/>
+            <a:off x="7097202" y="4259737"/>
             <a:ext cx="509838" cy="276999"/>
           </a:xfrm>
           <a:prstGeom prst="rect">
@@ -16985,7 +17489,7 @@
         </p:nvCxnSpPr>
         <p:spPr>
           <a:xfrm>
-            <a:off x="7686614" y="4398234"/>
+            <a:off x="7686616" y="4398234"/>
             <a:ext cx="323759" cy="0"/>
           </a:xfrm>
           <a:prstGeom prst="straightConnector1">
@@ -17027,7 +17531,7 @@
         </p:nvSpPr>
         <p:spPr>
           <a:xfrm>
-            <a:off x="6962116" y="4213569"/>
+            <a:off x="6962116" y="4213571"/>
             <a:ext cx="697832" cy="369333"/>
           </a:xfrm>
           <a:prstGeom prst="ellipse">
@@ -17297,7 +17801,7 @@
         </p:nvSpPr>
         <p:spPr>
           <a:xfrm>
-            <a:off x="2693819" y="267998"/>
+            <a:off x="2693821" y="268000"/>
             <a:ext cx="835193" cy="454329"/>
           </a:xfrm>
           <a:prstGeom prst="roundRect">
@@ -17804,7 +18308,7 @@
         </p:nvSpPr>
         <p:spPr>
           <a:xfrm>
-            <a:off x="2936199" y="1872252"/>
+            <a:off x="2936201" y="1872254"/>
             <a:ext cx="835193" cy="454329"/>
           </a:xfrm>
           <a:prstGeom prst="roundRect">
@@ -17992,7 +18496,7 @@
         </p:nvSpPr>
         <p:spPr>
           <a:xfrm>
-            <a:off x="3872486" y="1870050"/>
+            <a:off x="3872488" y="1870052"/>
             <a:ext cx="835193" cy="454329"/>
           </a:xfrm>
           <a:prstGeom prst="roundRect">
@@ -18290,7 +18794,7 @@
         </p:nvSpPr>
         <p:spPr>
           <a:xfrm>
-            <a:off x="2944799" y="2938771"/>
+            <a:off x="2944801" y="2938773"/>
             <a:ext cx="835193" cy="454329"/>
           </a:xfrm>
           <a:prstGeom prst="roundRect">
@@ -18393,7 +18897,7 @@
         </p:nvSpPr>
         <p:spPr>
           <a:xfrm>
-            <a:off x="3531300" y="1178887"/>
+            <a:off x="3531302" y="1178889"/>
             <a:ext cx="835193" cy="454329"/>
           </a:xfrm>
           <a:prstGeom prst="roundRect">
@@ -18496,7 +19000,7 @@
         </p:nvSpPr>
         <p:spPr>
           <a:xfrm>
-            <a:off x="4331091" y="2598390"/>
+            <a:off x="4331093" y="2598390"/>
             <a:ext cx="2324853" cy="1043384"/>
           </a:xfrm>
           <a:prstGeom prst="rect">
@@ -18548,7 +19052,7 @@
         </p:nvSpPr>
         <p:spPr>
           <a:xfrm>
-            <a:off x="4360582" y="2630969"/>
+            <a:off x="4360582" y="2630971"/>
             <a:ext cx="949366" cy="461665"/>
           </a:xfrm>
           <a:prstGeom prst="rect">
@@ -18586,7 +19090,7 @@
         </p:nvSpPr>
         <p:spPr>
           <a:xfrm>
-            <a:off x="4474755" y="2956197"/>
+            <a:off x="4474757" y="2956199"/>
             <a:ext cx="835193" cy="454329"/>
           </a:xfrm>
           <a:prstGeom prst="roundRect">
@@ -18645,7 +19149,7 @@
         </p:nvSpPr>
         <p:spPr>
           <a:xfrm>
-            <a:off x="6791030" y="2579454"/>
+            <a:off x="6791032" y="2579454"/>
             <a:ext cx="2324853" cy="1043384"/>
           </a:xfrm>
           <a:prstGeom prst="rect">
@@ -18694,7 +19198,7 @@
         </p:nvSpPr>
         <p:spPr>
           <a:xfrm>
-            <a:off x="6820521" y="2612033"/>
+            <a:off x="6820521" y="2612035"/>
             <a:ext cx="949366" cy="461665"/>
           </a:xfrm>
           <a:prstGeom prst="rect">
@@ -18732,7 +19236,7 @@
         </p:nvSpPr>
         <p:spPr>
           <a:xfrm>
-            <a:off x="7972554" y="2919834"/>
+            <a:off x="7972556" y="2919836"/>
             <a:ext cx="835193" cy="454329"/>
           </a:xfrm>
           <a:prstGeom prst="roundRect">
@@ -18791,7 +19295,7 @@
         </p:nvSpPr>
         <p:spPr>
           <a:xfrm>
-            <a:off x="7040285" y="2983330"/>
+            <a:off x="7040285" y="2983332"/>
             <a:ext cx="509838" cy="276999"/>
           </a:xfrm>
           <a:prstGeom prst="rect">
@@ -18828,7 +19332,7 @@
         </p:nvCxnSpPr>
         <p:spPr>
           <a:xfrm>
-            <a:off x="7629697" y="3121829"/>
+            <a:off x="7629699" y="3121829"/>
             <a:ext cx="323759" cy="0"/>
           </a:xfrm>
           <a:prstGeom prst="straightConnector1">
@@ -18870,7 +19374,7 @@
         </p:nvSpPr>
         <p:spPr>
           <a:xfrm>
-            <a:off x="6905199" y="2937164"/>
+            <a:off x="6905199" y="2937166"/>
             <a:ext cx="697832" cy="369333"/>
           </a:xfrm>
           <a:prstGeom prst="ellipse">
@@ -19007,7 +19511,7 @@
         </p:nvSpPr>
         <p:spPr>
           <a:xfrm>
-            <a:off x="3107164" y="4221186"/>
+            <a:off x="3107166" y="4221188"/>
             <a:ext cx="835193" cy="454329"/>
           </a:xfrm>
           <a:prstGeom prst="roundRect">
@@ -19103,7 +19607,7 @@
         </p:nvCxnSpPr>
         <p:spPr>
           <a:xfrm>
-            <a:off x="2764307" y="4423181"/>
+            <a:off x="2764309" y="4423181"/>
             <a:ext cx="323759" cy="0"/>
           </a:xfrm>
           <a:prstGeom prst="straightConnector1">
@@ -19195,7 +19699,7 @@
         </p:nvSpPr>
         <p:spPr>
           <a:xfrm>
-            <a:off x="4342345" y="3880806"/>
+            <a:off x="4342347" y="3880806"/>
             <a:ext cx="2324853" cy="1043384"/>
           </a:xfrm>
           <a:prstGeom prst="rect">
@@ -19244,7 +19748,7 @@
         </p:nvSpPr>
         <p:spPr>
           <a:xfrm>
-            <a:off x="4371836" y="3913385"/>
+            <a:off x="4371836" y="3913387"/>
             <a:ext cx="949366" cy="461665"/>
           </a:xfrm>
           <a:prstGeom prst="rect">
@@ -19282,7 +19786,7 @@
         </p:nvSpPr>
         <p:spPr>
           <a:xfrm>
-            <a:off x="5523869" y="4221186"/>
+            <a:off x="5523871" y="4221188"/>
             <a:ext cx="835193" cy="454329"/>
           </a:xfrm>
           <a:prstGeom prst="roundRect">
@@ -19341,7 +19845,7 @@
         </p:nvSpPr>
         <p:spPr>
           <a:xfrm>
-            <a:off x="4591600" y="4284682"/>
+            <a:off x="4591600" y="4284684"/>
             <a:ext cx="509838" cy="276999"/>
           </a:xfrm>
           <a:prstGeom prst="rect">
@@ -19378,7 +19882,7 @@
         </p:nvCxnSpPr>
         <p:spPr>
           <a:xfrm>
-            <a:off x="5181012" y="4423181"/>
+            <a:off x="5181014" y="4423181"/>
             <a:ext cx="323759" cy="0"/>
           </a:xfrm>
           <a:prstGeom prst="straightConnector1">
@@ -19420,7 +19924,7 @@
         </p:nvSpPr>
         <p:spPr>
           <a:xfrm>
-            <a:off x="4456514" y="4238516"/>
+            <a:off x="4456514" y="4238518"/>
             <a:ext cx="697832" cy="369333"/>
           </a:xfrm>
           <a:prstGeom prst="ellipse">
@@ -19470,7 +19974,7 @@
         </p:nvSpPr>
         <p:spPr>
           <a:xfrm>
-            <a:off x="6847947" y="3855859"/>
+            <a:off x="6847949" y="3855859"/>
             <a:ext cx="2324853" cy="1043384"/>
           </a:xfrm>
           <a:prstGeom prst="rect">
@@ -19519,7 +20023,7 @@
         </p:nvSpPr>
         <p:spPr>
           <a:xfrm>
-            <a:off x="6877438" y="3888438"/>
+            <a:off x="6877438" y="3888440"/>
             <a:ext cx="949366" cy="461665"/>
           </a:xfrm>
           <a:prstGeom prst="rect">
@@ -19557,7 +20061,7 @@
         </p:nvSpPr>
         <p:spPr>
           <a:xfrm>
-            <a:off x="8029471" y="4196239"/>
+            <a:off x="8029473" y="4196241"/>
             <a:ext cx="835193" cy="454329"/>
           </a:xfrm>
           <a:prstGeom prst="roundRect">
@@ -19616,7 +20120,7 @@
         </p:nvSpPr>
         <p:spPr>
           <a:xfrm>
-            <a:off x="7097202" y="4259735"/>
+            <a:off x="7097202" y="4259737"/>
             <a:ext cx="509838" cy="276999"/>
           </a:xfrm>
           <a:prstGeom prst="rect">
@@ -19653,7 +20157,7 @@
         </p:nvCxnSpPr>
         <p:spPr>
           <a:xfrm>
-            <a:off x="7686614" y="4398234"/>
+            <a:off x="7686616" y="4398234"/>
             <a:ext cx="323759" cy="0"/>
           </a:xfrm>
           <a:prstGeom prst="straightConnector1">
@@ -19695,7 +20199,7 @@
         </p:nvSpPr>
         <p:spPr>
           <a:xfrm>
-            <a:off x="6962116" y="4213569"/>
+            <a:off x="6962116" y="4213571"/>
             <a:ext cx="697832" cy="369333"/>
           </a:xfrm>
           <a:prstGeom prst="ellipse">
@@ -20086,7 +20590,7 @@
         </p:nvSpPr>
         <p:spPr>
           <a:xfrm>
-            <a:off x="9260078" y="3254939"/>
+            <a:off x="9260080" y="3254941"/>
             <a:ext cx="655495" cy="519017"/>
           </a:xfrm>
           <a:prstGeom prst="ellipse">
@@ -20138,7 +20642,7 @@
         </p:nvSpPr>
         <p:spPr>
           <a:xfrm>
-            <a:off x="7810975" y="2516858"/>
+            <a:off x="7810977" y="2516860"/>
             <a:ext cx="655495" cy="519017"/>
           </a:xfrm>
           <a:prstGeom prst="ellipse">
@@ -20452,7 +20956,7 @@
         </p:nvSpPr>
         <p:spPr>
           <a:xfrm>
-            <a:off x="7291937" y="3298357"/>
+            <a:off x="7291939" y="3298359"/>
             <a:ext cx="655495" cy="519017"/>
           </a:xfrm>
           <a:prstGeom prst="ellipse">
@@ -20504,7 +21008,7 @@
         </p:nvSpPr>
         <p:spPr>
           <a:xfrm>
-            <a:off x="8138723" y="3268629"/>
+            <a:off x="8138725" y="3268631"/>
             <a:ext cx="655495" cy="519017"/>
           </a:xfrm>
           <a:prstGeom prst="ellipse">
@@ -20556,7 +21060,7 @@
         </p:nvSpPr>
         <p:spPr>
           <a:xfrm>
-            <a:off x="5887399" y="4139505"/>
+            <a:off x="5887401" y="4139507"/>
             <a:ext cx="655495" cy="519017"/>
           </a:xfrm>
           <a:prstGeom prst="ellipse">
@@ -20612,7 +21116,7 @@
         </p:nvSpPr>
         <p:spPr>
           <a:xfrm>
-            <a:off x="5639704" y="5297816"/>
+            <a:off x="5639706" y="5297818"/>
             <a:ext cx="655495" cy="519017"/>
           </a:xfrm>
           <a:prstGeom prst="ellipse">
@@ -20776,7 +21280,7 @@
         </p:nvSpPr>
         <p:spPr>
           <a:xfrm>
-            <a:off x="2766470" y="2679101"/>
+            <a:off x="2766472" y="2679103"/>
             <a:ext cx="655495" cy="519017"/>
           </a:xfrm>
           <a:prstGeom prst="ellipse">
@@ -20829,7 +21333,7 @@
         </p:nvSpPr>
         <p:spPr>
           <a:xfrm>
-            <a:off x="4123606" y="2503975"/>
+            <a:off x="4123608" y="2503975"/>
             <a:ext cx="3066095" cy="369332"/>
           </a:xfrm>
           <a:prstGeom prst="rect">
@@ -20869,7 +21373,7 @@
         </p:nvSpPr>
         <p:spPr>
           <a:xfrm>
-            <a:off x="3576383" y="4133866"/>
+            <a:off x="3576385" y="4133866"/>
             <a:ext cx="2063321" cy="369332"/>
           </a:xfrm>
           <a:prstGeom prst="rect">
@@ -20909,7 +21413,7 @@
         </p:nvSpPr>
         <p:spPr>
           <a:xfrm>
-            <a:off x="3421965" y="5092912"/>
+            <a:off x="3421967" y="5092912"/>
             <a:ext cx="1874629" cy="369332"/>
           </a:xfrm>
           <a:prstGeom prst="rect">
@@ -21083,7 +21587,7 @@
         </p:nvSpPr>
         <p:spPr>
           <a:xfrm>
-            <a:off x="532159" y="855593"/>
+            <a:off x="532160" y="855593"/>
             <a:ext cx="11341789" cy="5709202"/>
           </a:xfrm>
           <a:prstGeom prst="rect">
@@ -21736,7 +22240,7 @@
         </p:nvSpPr>
         <p:spPr>
           <a:xfrm>
-            <a:off x="2906382" y="2518295"/>
+            <a:off x="2906384" y="2518297"/>
             <a:ext cx="840657" cy="402841"/>
           </a:xfrm>
           <a:prstGeom prst="roundRect">
@@ -21924,7 +22428,7 @@
         </p:nvSpPr>
         <p:spPr>
           <a:xfrm>
-            <a:off x="3842669" y="2516093"/>
+            <a:off x="3842671" y="2516095"/>
             <a:ext cx="840657" cy="402841"/>
           </a:xfrm>
           <a:prstGeom prst="roundRect">
@@ -22222,7 +22726,7 @@
         </p:nvSpPr>
         <p:spPr>
           <a:xfrm>
-            <a:off x="2914982" y="3584814"/>
+            <a:off x="2914984" y="3584816"/>
             <a:ext cx="840657" cy="402841"/>
           </a:xfrm>
           <a:prstGeom prst="roundRect">
@@ -22325,7 +22829,7 @@
         </p:nvSpPr>
         <p:spPr>
           <a:xfrm>
-            <a:off x="3501483" y="1824930"/>
+            <a:off x="3501485" y="1824932"/>
             <a:ext cx="840657" cy="402841"/>
           </a:xfrm>
           <a:prstGeom prst="roundRect">
@@ -22428,7 +22932,7 @@
         </p:nvSpPr>
         <p:spPr>
           <a:xfrm>
-            <a:off x="4301275" y="3244433"/>
+            <a:off x="4301275" y="3244435"/>
             <a:ext cx="2340062" cy="925141"/>
           </a:xfrm>
           <a:prstGeom prst="rect">
@@ -22480,7 +22984,7 @@
         </p:nvSpPr>
         <p:spPr>
           <a:xfrm>
-            <a:off x="4330765" y="3277013"/>
+            <a:off x="4330765" y="3277015"/>
             <a:ext cx="955576" cy="461665"/>
           </a:xfrm>
           <a:prstGeom prst="rect">
@@ -22518,7 +23022,7 @@
         </p:nvSpPr>
         <p:spPr>
           <a:xfrm>
-            <a:off x="4444938" y="3602240"/>
+            <a:off x="4444940" y="3602242"/>
             <a:ext cx="840657" cy="402841"/>
           </a:xfrm>
           <a:prstGeom prst="roundRect">
@@ -22577,7 +23081,7 @@
         </p:nvSpPr>
         <p:spPr>
           <a:xfrm>
-            <a:off x="6761214" y="3225497"/>
+            <a:off x="6761214" y="3225499"/>
             <a:ext cx="2340062" cy="925141"/>
           </a:xfrm>
           <a:prstGeom prst="rect">
@@ -22626,7 +23130,7 @@
         </p:nvSpPr>
         <p:spPr>
           <a:xfrm>
-            <a:off x="6790704" y="3258077"/>
+            <a:off x="6790704" y="3258079"/>
             <a:ext cx="955576" cy="461665"/>
           </a:xfrm>
           <a:prstGeom prst="rect">
@@ -22664,7 +23168,7 @@
         </p:nvSpPr>
         <p:spPr>
           <a:xfrm>
-            <a:off x="7942737" y="3565877"/>
+            <a:off x="7942739" y="3565879"/>
             <a:ext cx="840657" cy="402841"/>
           </a:xfrm>
           <a:prstGeom prst="roundRect">
@@ -22723,7 +23227,7 @@
         </p:nvSpPr>
         <p:spPr>
           <a:xfrm>
-            <a:off x="7010467" y="3629374"/>
+            <a:off x="7010469" y="3629376"/>
             <a:ext cx="513173" cy="276999"/>
           </a:xfrm>
           <a:prstGeom prst="rect">
@@ -22760,7 +23264,7 @@
         </p:nvCxnSpPr>
         <p:spPr>
           <a:xfrm>
-            <a:off x="7599880" y="3767872"/>
+            <a:off x="7599882" y="3767872"/>
             <a:ext cx="325877" cy="0"/>
           </a:xfrm>
           <a:prstGeom prst="straightConnector1">
@@ -22939,7 +23443,7 @@
         </p:nvSpPr>
         <p:spPr>
           <a:xfrm>
-            <a:off x="3077347" y="4867229"/>
+            <a:off x="3077349" y="4867231"/>
             <a:ext cx="840657" cy="402841"/>
           </a:xfrm>
           <a:prstGeom prst="roundRect">
@@ -23035,7 +23539,7 @@
         </p:nvCxnSpPr>
         <p:spPr>
           <a:xfrm>
-            <a:off x="2734490" y="5069224"/>
+            <a:off x="2734492" y="5069224"/>
             <a:ext cx="325877" cy="0"/>
           </a:xfrm>
           <a:prstGeom prst="straightConnector1">
@@ -23127,7 +23631,7 @@
         </p:nvSpPr>
         <p:spPr>
           <a:xfrm>
-            <a:off x="4312529" y="4526849"/>
+            <a:off x="4312529" y="4526851"/>
             <a:ext cx="2340062" cy="925141"/>
           </a:xfrm>
           <a:prstGeom prst="rect">
@@ -23176,7 +23680,7 @@
         </p:nvSpPr>
         <p:spPr>
           <a:xfrm>
-            <a:off x="4342019" y="4559429"/>
+            <a:off x="4342019" y="4559431"/>
             <a:ext cx="955576" cy="461665"/>
           </a:xfrm>
           <a:prstGeom prst="rect">
@@ -23214,7 +23718,7 @@
         </p:nvSpPr>
         <p:spPr>
           <a:xfrm>
-            <a:off x="5494052" y="4867229"/>
+            <a:off x="5494054" y="4867231"/>
             <a:ext cx="840657" cy="402841"/>
           </a:xfrm>
           <a:prstGeom prst="roundRect">
@@ -23273,7 +23777,7 @@
         </p:nvSpPr>
         <p:spPr>
           <a:xfrm>
-            <a:off x="4561782" y="4930726"/>
+            <a:off x="4561784" y="4930728"/>
             <a:ext cx="513173" cy="276999"/>
           </a:xfrm>
           <a:prstGeom prst="rect">
@@ -23310,7 +23814,7 @@
         </p:nvCxnSpPr>
         <p:spPr>
           <a:xfrm>
-            <a:off x="5151195" y="5069224"/>
+            <a:off x="5151197" y="5069224"/>
             <a:ext cx="325877" cy="0"/>
           </a:xfrm>
           <a:prstGeom prst="straightConnector1">
@@ -23402,7 +23906,7 @@
         </p:nvSpPr>
         <p:spPr>
           <a:xfrm>
-            <a:off x="6818131" y="4501902"/>
+            <a:off x="6818131" y="4501904"/>
             <a:ext cx="2340062" cy="925141"/>
           </a:xfrm>
           <a:prstGeom prst="rect">
@@ -23451,7 +23955,7 @@
         </p:nvSpPr>
         <p:spPr>
           <a:xfrm>
-            <a:off x="6847621" y="4534482"/>
+            <a:off x="6847621" y="4534484"/>
             <a:ext cx="955576" cy="461665"/>
           </a:xfrm>
           <a:prstGeom prst="rect">
@@ -23489,7 +23993,7 @@
         </p:nvSpPr>
         <p:spPr>
           <a:xfrm>
-            <a:off x="7999654" y="4842282"/>
+            <a:off x="7999656" y="4842284"/>
             <a:ext cx="840657" cy="402841"/>
           </a:xfrm>
           <a:prstGeom prst="roundRect">
@@ -23548,7 +24052,7 @@
         </p:nvSpPr>
         <p:spPr>
           <a:xfrm>
-            <a:off x="7067384" y="4905779"/>
+            <a:off x="7067386" y="4905781"/>
             <a:ext cx="513173" cy="276999"/>
           </a:xfrm>
           <a:prstGeom prst="rect">
@@ -23585,7 +24089,7 @@
         </p:nvCxnSpPr>
         <p:spPr>
           <a:xfrm>
-            <a:off x="7656797" y="5044277"/>
+            <a:off x="7656799" y="5044277"/>
             <a:ext cx="325877" cy="0"/>
           </a:xfrm>
           <a:prstGeom prst="straightConnector1">
@@ -24093,7 +24597,7 @@
           </p:nvPr>
         </p:nvGraphicFramePr>
         <p:xfrm>
-          <a:off x="6809876" y="1431308"/>
+          <a:off x="6809878" y="1431308"/>
           <a:ext cx="5114757" cy="3747198"/>
         </p:xfrm>
         <a:graphic>
@@ -24314,7 +24818,7 @@
         </p:nvSpPr>
         <p:spPr>
           <a:xfrm>
-            <a:off x="5542549" y="2923907"/>
+            <a:off x="5542551" y="2923907"/>
             <a:ext cx="1155031" cy="381000"/>
           </a:xfrm>
           <a:prstGeom prst="rightArrow">

--- a/assets/docs/Hubfx Presentation.pptx
+++ b/assets/docs/Hubfx Presentation.pptx
@@ -1800,7 +1800,7 @@
           <a:p>
             <a:fld id="{154F4BC5-C275-4A59-82DC-6AFC02DFC54D}" type="datetimeFigureOut">
               <a:rPr lang="en-CA" smtClean="0"/>
-              <a:t>2024-07-25</a:t>
+              <a:t>2024-07-27</a:t>
             </a:fld>
             <a:endParaRPr lang="en-CA"/>
           </a:p>
@@ -2000,7 +2000,7 @@
           <a:p>
             <a:fld id="{154F4BC5-C275-4A59-82DC-6AFC02DFC54D}" type="datetimeFigureOut">
               <a:rPr lang="en-CA" smtClean="0"/>
-              <a:t>2024-07-25</a:t>
+              <a:t>2024-07-27</a:t>
             </a:fld>
             <a:endParaRPr lang="en-CA"/>
           </a:p>
@@ -2210,7 +2210,7 @@
           <a:p>
             <a:fld id="{154F4BC5-C275-4A59-82DC-6AFC02DFC54D}" type="datetimeFigureOut">
               <a:rPr lang="en-CA" smtClean="0"/>
-              <a:t>2024-07-25</a:t>
+              <a:t>2024-07-27</a:t>
             </a:fld>
             <a:endParaRPr lang="en-CA"/>
           </a:p>
@@ -2410,7 +2410,7 @@
           <a:p>
             <a:fld id="{154F4BC5-C275-4A59-82DC-6AFC02DFC54D}" type="datetimeFigureOut">
               <a:rPr lang="en-CA" smtClean="0"/>
-              <a:t>2024-07-25</a:t>
+              <a:t>2024-07-27</a:t>
             </a:fld>
             <a:endParaRPr lang="en-CA"/>
           </a:p>
@@ -2686,7 +2686,7 @@
           <a:p>
             <a:fld id="{154F4BC5-C275-4A59-82DC-6AFC02DFC54D}" type="datetimeFigureOut">
               <a:rPr lang="en-CA" smtClean="0"/>
-              <a:t>2024-07-25</a:t>
+              <a:t>2024-07-27</a:t>
             </a:fld>
             <a:endParaRPr lang="en-CA"/>
           </a:p>
@@ -2954,7 +2954,7 @@
           <a:p>
             <a:fld id="{154F4BC5-C275-4A59-82DC-6AFC02DFC54D}" type="datetimeFigureOut">
               <a:rPr lang="en-CA" smtClean="0"/>
-              <a:t>2024-07-25</a:t>
+              <a:t>2024-07-27</a:t>
             </a:fld>
             <a:endParaRPr lang="en-CA"/>
           </a:p>
@@ -3369,7 +3369,7 @@
           <a:p>
             <a:fld id="{154F4BC5-C275-4A59-82DC-6AFC02DFC54D}" type="datetimeFigureOut">
               <a:rPr lang="en-CA" smtClean="0"/>
-              <a:t>2024-07-25</a:t>
+              <a:t>2024-07-27</a:t>
             </a:fld>
             <a:endParaRPr lang="en-CA"/>
           </a:p>
@@ -3511,7 +3511,7 @@
           <a:p>
             <a:fld id="{154F4BC5-C275-4A59-82DC-6AFC02DFC54D}" type="datetimeFigureOut">
               <a:rPr lang="en-CA" smtClean="0"/>
-              <a:t>2024-07-25</a:t>
+              <a:t>2024-07-27</a:t>
             </a:fld>
             <a:endParaRPr lang="en-CA"/>
           </a:p>
@@ -3624,7 +3624,7 @@
           <a:p>
             <a:fld id="{154F4BC5-C275-4A59-82DC-6AFC02DFC54D}" type="datetimeFigureOut">
               <a:rPr lang="en-CA" smtClean="0"/>
-              <a:t>2024-07-25</a:t>
+              <a:t>2024-07-27</a:t>
             </a:fld>
             <a:endParaRPr lang="en-CA"/>
           </a:p>
@@ -3937,7 +3937,7 @@
           <a:p>
             <a:fld id="{154F4BC5-C275-4A59-82DC-6AFC02DFC54D}" type="datetimeFigureOut">
               <a:rPr lang="en-CA" smtClean="0"/>
-              <a:t>2024-07-25</a:t>
+              <a:t>2024-07-27</a:t>
             </a:fld>
             <a:endParaRPr lang="en-CA"/>
           </a:p>
@@ -4226,7 +4226,7 @@
           <a:p>
             <a:fld id="{154F4BC5-C275-4A59-82DC-6AFC02DFC54D}" type="datetimeFigureOut">
               <a:rPr lang="en-CA" smtClean="0"/>
-              <a:t>2024-07-25</a:t>
+              <a:t>2024-07-27</a:t>
             </a:fld>
             <a:endParaRPr lang="en-CA"/>
           </a:p>
@@ -4469,7 +4469,7 @@
           <a:p>
             <a:fld id="{154F4BC5-C275-4A59-82DC-6AFC02DFC54D}" type="datetimeFigureOut">
               <a:rPr lang="en-CA" smtClean="0"/>
-              <a:t>2024-07-25</a:t>
+              <a:t>2024-07-27</a:t>
             </a:fld>
             <a:endParaRPr lang="en-CA"/>
           </a:p>
